--- a/제안서/발표용 제안서/작업 진행표_수정_김선필_김나단_이용선.pptx
+++ b/제안서/발표용 제안서/작업 진행표_수정_김선필_김나단_이용선.pptx
@@ -283,7 +283,7 @@
           <a:p>
             <a:fld id="{EC245A31-2015-4155-9A77-CF02AF73B3CA}" type="datetimeFigureOut">
               <a:rPr lang="ko-KR" altLang="en-US" smtClean="0"/>
-              <a:t>2018-03-20</a:t>
+              <a:t>2018-03-21</a:t>
             </a:fld>
             <a:endParaRPr lang="ko-KR" altLang="en-US"/>
           </a:p>
@@ -613,7 +613,7 @@
           <a:p>
             <a:fld id="{EC245A31-2015-4155-9A77-CF02AF73B3CA}" type="datetimeFigureOut">
               <a:rPr lang="ko-KR" altLang="en-US" smtClean="0"/>
-              <a:t>2018-03-20</a:t>
+              <a:t>2018-03-21</a:t>
             </a:fld>
             <a:endParaRPr lang="ko-KR" altLang="en-US"/>
           </a:p>
@@ -793,7 +793,7 @@
           <a:p>
             <a:fld id="{EC245A31-2015-4155-9A77-CF02AF73B3CA}" type="datetimeFigureOut">
               <a:rPr lang="ko-KR" altLang="en-US" smtClean="0"/>
-              <a:t>2018-03-20</a:t>
+              <a:t>2018-03-21</a:t>
             </a:fld>
             <a:endParaRPr lang="ko-KR" altLang="en-US"/>
           </a:p>
@@ -963,7 +963,7 @@
           <a:p>
             <a:fld id="{EC245A31-2015-4155-9A77-CF02AF73B3CA}" type="datetimeFigureOut">
               <a:rPr lang="ko-KR" altLang="en-US" smtClean="0"/>
-              <a:t>2018-03-20</a:t>
+              <a:t>2018-03-21</a:t>
             </a:fld>
             <a:endParaRPr lang="ko-KR" altLang="en-US"/>
           </a:p>
@@ -1240,7 +1240,7 @@
           <a:p>
             <a:fld id="{EC245A31-2015-4155-9A77-CF02AF73B3CA}" type="datetimeFigureOut">
               <a:rPr lang="ko-KR" altLang="en-US" smtClean="0"/>
-              <a:t>2018-03-20</a:t>
+              <a:t>2018-03-21</a:t>
             </a:fld>
             <a:endParaRPr lang="ko-KR" altLang="en-US"/>
           </a:p>
@@ -1690,7 +1690,7 @@
           <a:p>
             <a:fld id="{EC245A31-2015-4155-9A77-CF02AF73B3CA}" type="datetimeFigureOut">
               <a:rPr lang="ko-KR" altLang="en-US" smtClean="0"/>
-              <a:t>2018-03-20</a:t>
+              <a:t>2018-03-21</a:t>
             </a:fld>
             <a:endParaRPr lang="ko-KR" altLang="en-US"/>
           </a:p>
@@ -2167,7 +2167,7 @@
           <a:p>
             <a:fld id="{EC245A31-2015-4155-9A77-CF02AF73B3CA}" type="datetimeFigureOut">
               <a:rPr lang="ko-KR" altLang="en-US" smtClean="0"/>
-              <a:t>2018-03-20</a:t>
+              <a:t>2018-03-21</a:t>
             </a:fld>
             <a:endParaRPr lang="ko-KR" altLang="en-US"/>
           </a:p>
@@ -2285,7 +2285,7 @@
           <a:p>
             <a:fld id="{EC245A31-2015-4155-9A77-CF02AF73B3CA}" type="datetimeFigureOut">
               <a:rPr lang="ko-KR" altLang="en-US" smtClean="0"/>
-              <a:t>2018-03-20</a:t>
+              <a:t>2018-03-21</a:t>
             </a:fld>
             <a:endParaRPr lang="ko-KR" altLang="en-US"/>
           </a:p>
@@ -2380,7 +2380,7 @@
           <a:p>
             <a:fld id="{EC245A31-2015-4155-9A77-CF02AF73B3CA}" type="datetimeFigureOut">
               <a:rPr lang="ko-KR" altLang="en-US" smtClean="0"/>
-              <a:t>2018-03-20</a:t>
+              <a:t>2018-03-21</a:t>
             </a:fld>
             <a:endParaRPr lang="ko-KR" altLang="en-US"/>
           </a:p>
@@ -2728,7 +2728,7 @@
           <a:p>
             <a:fld id="{EC245A31-2015-4155-9A77-CF02AF73B3CA}" type="datetimeFigureOut">
               <a:rPr lang="ko-KR" altLang="en-US" smtClean="0"/>
-              <a:t>2018-03-20</a:t>
+              <a:t>2018-03-21</a:t>
             </a:fld>
             <a:endParaRPr lang="ko-KR" altLang="en-US"/>
           </a:p>
@@ -3156,7 +3156,7 @@
           <a:p>
             <a:fld id="{EC245A31-2015-4155-9A77-CF02AF73B3CA}" type="datetimeFigureOut">
               <a:rPr lang="ko-KR" altLang="en-US" smtClean="0"/>
-              <a:t>2018-03-20</a:t>
+              <a:t>2018-03-21</a:t>
             </a:fld>
             <a:endParaRPr lang="ko-KR" altLang="en-US"/>
           </a:p>
@@ -3472,7 +3472,7 @@
           <a:p>
             <a:fld id="{EC245A31-2015-4155-9A77-CF02AF73B3CA}" type="datetimeFigureOut">
               <a:rPr lang="ko-KR" altLang="en-US" smtClean="0"/>
-              <a:t>2018-03-20</a:t>
+              <a:t>2018-03-21</a:t>
             </a:fld>
             <a:endParaRPr lang="ko-KR" altLang="en-US"/>
           </a:p>
@@ -5203,7 +5203,11 @@
             <a:graphicFrameLocks noGrp="1"/>
           </p:cNvGraphicFramePr>
           <p:nvPr>
-            <p:extLst/>
+            <p:extLst>
+              <p:ext uri="{D42A27DB-BD31-4B8C-83A1-F6EECF244321}">
+                <p14:modId xmlns:p14="http://schemas.microsoft.com/office/powerpoint/2010/main" val="2118582003"/>
+              </p:ext>
+            </p:extLst>
           </p:nvPr>
         </p:nvGraphicFramePr>
         <p:xfrm>
@@ -6370,84 +6374,164 @@
                       <a:endParaRPr lang="ko-KR" altLang="en-US" sz="1500" dirty="0"/>
                     </a:p>
                   </a:txBody>
-                  <a:tcPr marL="68580" marR="68580" marT="34291" marB="34291" anchor="ctr"/>
-                </a:tc>
-                <a:tc>
-                  <a:txBody>
-                    <a:bodyPr/>
-                    <a:lstStyle/>
-                    <a:p>
-                      <a:pPr algn="ctr" latinLnBrk="1"/>
-                      <a:endParaRPr lang="ko-KR" altLang="en-US" sz="1500" dirty="0"/>
-                    </a:p>
-                  </a:txBody>
-                  <a:tcPr marL="68580" marR="68580" marT="34291" marB="34291" anchor="ctr"/>
-                </a:tc>
-                <a:tc>
-                  <a:txBody>
-                    <a:bodyPr/>
-                    <a:lstStyle/>
-                    <a:p>
-                      <a:pPr algn="ctr" latinLnBrk="1"/>
-                      <a:endParaRPr lang="ko-KR" altLang="en-US" sz="1500" dirty="0"/>
-                    </a:p>
-                  </a:txBody>
-                  <a:tcPr marL="68580" marR="68580" marT="34291" marB="34291" anchor="ctr"/>
-                </a:tc>
-                <a:tc>
-                  <a:txBody>
-                    <a:bodyPr/>
-                    <a:lstStyle/>
-                    <a:p>
-                      <a:pPr algn="ctr" latinLnBrk="1"/>
-                      <a:endParaRPr lang="ko-KR" altLang="en-US" sz="1500" dirty="0"/>
-                    </a:p>
-                  </a:txBody>
-                  <a:tcPr marL="68580" marR="68580" marT="34291" marB="34291" anchor="ctr"/>
-                </a:tc>
-                <a:tc>
-                  <a:txBody>
-                    <a:bodyPr/>
-                    <a:lstStyle/>
-                    <a:p>
-                      <a:pPr algn="ctr" latinLnBrk="1"/>
-                      <a:endParaRPr lang="ko-KR" altLang="en-US" sz="1500" dirty="0"/>
-                    </a:p>
-                  </a:txBody>
-                  <a:tcPr marL="68580" marR="68580" marT="34291" marB="34291" anchor="ctr"/>
-                </a:tc>
-                <a:tc>
-                  <a:txBody>
-                    <a:bodyPr/>
-                    <a:lstStyle/>
-                    <a:p>
-                      <a:pPr algn="ctr" latinLnBrk="1"/>
-                      <a:endParaRPr lang="ko-KR" altLang="en-US" sz="1500" dirty="0"/>
-                    </a:p>
-                  </a:txBody>
-                  <a:tcPr marL="68580" marR="68580" marT="34291" marB="34291" anchor="ctr"/>
-                </a:tc>
-                <a:tc>
-                  <a:txBody>
-                    <a:bodyPr/>
-                    <a:lstStyle/>
-                    <a:p>
-                      <a:pPr algn="ctr" latinLnBrk="1"/>
-                      <a:endParaRPr lang="ko-KR" altLang="en-US" sz="1500" dirty="0"/>
-                    </a:p>
-                  </a:txBody>
-                  <a:tcPr marL="68580" marR="68580" marT="34291" marB="34291" anchor="ctr"/>
-                </a:tc>
-                <a:tc>
-                  <a:txBody>
-                    <a:bodyPr/>
-                    <a:lstStyle/>
-                    <a:p>
-                      <a:pPr algn="ctr" latinLnBrk="1"/>
-                      <a:endParaRPr lang="ko-KR" altLang="en-US" sz="1500" dirty="0"/>
-                    </a:p>
-                  </a:txBody>
-                  <a:tcPr marL="68580" marR="68580" marT="34291" marB="34291" anchor="ctr"/>
+                  <a:tcPr marL="68580" marR="68580" marT="34291" marB="34291" anchor="ctr">
+                    <a:lnB w="12700" cap="flat" cmpd="sng" algn="ctr">
+                      <a:solidFill>
+                        <a:schemeClr val="tx1"/>
+                      </a:solidFill>
+                      <a:prstDash val="solid"/>
+                      <a:round/>
+                      <a:headEnd type="none" w="med" len="med"/>
+                      <a:tailEnd type="none" w="med" len="med"/>
+                    </a:lnB>
+                  </a:tcPr>
+                </a:tc>
+                <a:tc>
+                  <a:txBody>
+                    <a:bodyPr/>
+                    <a:lstStyle/>
+                    <a:p>
+                      <a:pPr algn="ctr" latinLnBrk="1"/>
+                      <a:endParaRPr lang="ko-KR" altLang="en-US" sz="1500" dirty="0"/>
+                    </a:p>
+                  </a:txBody>
+                  <a:tcPr marL="68580" marR="68580" marT="34291" marB="34291" anchor="ctr">
+                    <a:lnB w="12700" cap="flat" cmpd="sng" algn="ctr">
+                      <a:solidFill>
+                        <a:schemeClr val="tx1"/>
+                      </a:solidFill>
+                      <a:prstDash val="solid"/>
+                      <a:round/>
+                      <a:headEnd type="none" w="med" len="med"/>
+                      <a:tailEnd type="none" w="med" len="med"/>
+                    </a:lnB>
+                  </a:tcPr>
+                </a:tc>
+                <a:tc>
+                  <a:txBody>
+                    <a:bodyPr/>
+                    <a:lstStyle/>
+                    <a:p>
+                      <a:pPr algn="ctr" latinLnBrk="1"/>
+                      <a:endParaRPr lang="ko-KR" altLang="en-US" sz="1500" dirty="0"/>
+                    </a:p>
+                  </a:txBody>
+                  <a:tcPr marL="68580" marR="68580" marT="34291" marB="34291" anchor="ctr">
+                    <a:lnB w="12700" cap="flat" cmpd="sng" algn="ctr">
+                      <a:solidFill>
+                        <a:schemeClr val="tx1"/>
+                      </a:solidFill>
+                      <a:prstDash val="solid"/>
+                      <a:round/>
+                      <a:headEnd type="none" w="med" len="med"/>
+                      <a:tailEnd type="none" w="med" len="med"/>
+                    </a:lnB>
+                  </a:tcPr>
+                </a:tc>
+                <a:tc>
+                  <a:txBody>
+                    <a:bodyPr/>
+                    <a:lstStyle/>
+                    <a:p>
+                      <a:pPr algn="ctr" latinLnBrk="1"/>
+                      <a:endParaRPr lang="ko-KR" altLang="en-US" sz="1500" dirty="0"/>
+                    </a:p>
+                  </a:txBody>
+                  <a:tcPr marL="68580" marR="68580" marT="34291" marB="34291" anchor="ctr">
+                    <a:lnB w="12700" cap="flat" cmpd="sng" algn="ctr">
+                      <a:solidFill>
+                        <a:schemeClr val="tx1"/>
+                      </a:solidFill>
+                      <a:prstDash val="solid"/>
+                      <a:round/>
+                      <a:headEnd type="none" w="med" len="med"/>
+                      <a:tailEnd type="none" w="med" len="med"/>
+                    </a:lnB>
+                  </a:tcPr>
+                </a:tc>
+                <a:tc>
+                  <a:txBody>
+                    <a:bodyPr/>
+                    <a:lstStyle/>
+                    <a:p>
+                      <a:pPr algn="ctr" latinLnBrk="1"/>
+                      <a:endParaRPr lang="ko-KR" altLang="en-US" sz="1500" dirty="0"/>
+                    </a:p>
+                  </a:txBody>
+                  <a:tcPr marL="68580" marR="68580" marT="34291" marB="34291" anchor="ctr">
+                    <a:lnB w="12700" cap="flat" cmpd="sng" algn="ctr">
+                      <a:solidFill>
+                        <a:schemeClr val="tx1"/>
+                      </a:solidFill>
+                      <a:prstDash val="solid"/>
+                      <a:round/>
+                      <a:headEnd type="none" w="med" len="med"/>
+                      <a:tailEnd type="none" w="med" len="med"/>
+                    </a:lnB>
+                  </a:tcPr>
+                </a:tc>
+                <a:tc>
+                  <a:txBody>
+                    <a:bodyPr/>
+                    <a:lstStyle/>
+                    <a:p>
+                      <a:pPr algn="ctr" latinLnBrk="1"/>
+                      <a:endParaRPr lang="ko-KR" altLang="en-US" sz="1500" dirty="0"/>
+                    </a:p>
+                  </a:txBody>
+                  <a:tcPr marL="68580" marR="68580" marT="34291" marB="34291" anchor="ctr">
+                    <a:lnB w="12700" cap="flat" cmpd="sng" algn="ctr">
+                      <a:solidFill>
+                        <a:schemeClr val="tx1"/>
+                      </a:solidFill>
+                      <a:prstDash val="solid"/>
+                      <a:round/>
+                      <a:headEnd type="none" w="med" len="med"/>
+                      <a:tailEnd type="none" w="med" len="med"/>
+                    </a:lnB>
+                  </a:tcPr>
+                </a:tc>
+                <a:tc>
+                  <a:txBody>
+                    <a:bodyPr/>
+                    <a:lstStyle/>
+                    <a:p>
+                      <a:pPr algn="ctr" latinLnBrk="1"/>
+                      <a:endParaRPr lang="ko-KR" altLang="en-US" sz="1500" dirty="0"/>
+                    </a:p>
+                  </a:txBody>
+                  <a:tcPr marL="68580" marR="68580" marT="34291" marB="34291" anchor="ctr">
+                    <a:lnB w="12700" cap="flat" cmpd="sng" algn="ctr">
+                      <a:solidFill>
+                        <a:schemeClr val="tx1"/>
+                      </a:solidFill>
+                      <a:prstDash val="solid"/>
+                      <a:round/>
+                      <a:headEnd type="none" w="med" len="med"/>
+                      <a:tailEnd type="none" w="med" len="med"/>
+                    </a:lnB>
+                  </a:tcPr>
+                </a:tc>
+                <a:tc>
+                  <a:txBody>
+                    <a:bodyPr/>
+                    <a:lstStyle/>
+                    <a:p>
+                      <a:pPr algn="ctr" latinLnBrk="1"/>
+                      <a:endParaRPr lang="ko-KR" altLang="en-US" sz="1500" dirty="0"/>
+                    </a:p>
+                  </a:txBody>
+                  <a:tcPr marL="68580" marR="68580" marT="34291" marB="34291" anchor="ctr">
+                    <a:lnB w="12700" cap="flat" cmpd="sng" algn="ctr">
+                      <a:solidFill>
+                        <a:schemeClr val="tx1"/>
+                      </a:solidFill>
+                      <a:prstDash val="solid"/>
+                      <a:round/>
+                      <a:headEnd type="none" w="med" len="med"/>
+                      <a:tailEnd type="none" w="med" len="med"/>
+                    </a:lnB>
+                  </a:tcPr>
                 </a:tc>
                 <a:tc>
                   <a:txBody>
@@ -6585,7 +6669,11 @@
                     <a:lstStyle/>
                     <a:p>
                       <a:pPr algn="ctr" latinLnBrk="1"/>
-                      <a:endParaRPr lang="ko-KR" altLang="en-US" sz="1500" dirty="0"/>
+                      <a:endParaRPr lang="ko-KR" altLang="en-US" sz="1500" dirty="0">
+                        <a:highlight>
+                          <a:srgbClr val="FF0000"/>
+                        </a:highlight>
+                      </a:endParaRPr>
                     </a:p>
                   </a:txBody>
                   <a:tcPr marL="68580" marR="68580" marT="34291" marB="34291" anchor="ctr">
@@ -6625,6 +6713,14 @@
                       <a:headEnd type="none" w="med" len="med"/>
                       <a:tailEnd type="none" w="med" len="med"/>
                     </a:lnB>
+                    <a:lnTlToBr w="12700" cmpd="sng">
+                      <a:noFill/>
+                      <a:prstDash val="solid"/>
+                    </a:lnTlToBr>
+                    <a:lnBlToTr w="12700" cmpd="sng">
+                      <a:noFill/>
+                      <a:prstDash val="solid"/>
+                    </a:lnBlToTr>
                     <a:solidFill>
                       <a:srgbClr val="FF0000"/>
                     </a:solidFill>
@@ -6636,7 +6732,11 @@
                     <a:lstStyle/>
                     <a:p>
                       <a:pPr algn="ctr" latinLnBrk="1"/>
-                      <a:endParaRPr lang="ko-KR" altLang="en-US" sz="1500" dirty="0"/>
+                      <a:endParaRPr lang="ko-KR" altLang="en-US" sz="1500" dirty="0">
+                        <a:highlight>
+                          <a:srgbClr val="FF0000"/>
+                        </a:highlight>
+                      </a:endParaRPr>
                     </a:p>
                   </a:txBody>
                   <a:tcPr marL="68580" marR="68580" marT="34291" marB="34291" anchor="ctr">
@@ -6676,6 +6776,14 @@
                       <a:headEnd type="none" w="med" len="med"/>
                       <a:tailEnd type="none" w="med" len="med"/>
                     </a:lnB>
+                    <a:lnTlToBr w="12700" cmpd="sng">
+                      <a:noFill/>
+                      <a:prstDash val="solid"/>
+                    </a:lnTlToBr>
+                    <a:lnBlToTr w="12700" cmpd="sng">
+                      <a:noFill/>
+                      <a:prstDash val="solid"/>
+                    </a:lnBlToTr>
                     <a:solidFill>
                       <a:srgbClr val="FF0000"/>
                     </a:solidFill>
@@ -6687,7 +6795,11 @@
                     <a:lstStyle/>
                     <a:p>
                       <a:pPr algn="ctr" latinLnBrk="1"/>
-                      <a:endParaRPr lang="ko-KR" altLang="en-US" sz="1500" dirty="0"/>
+                      <a:endParaRPr lang="ko-KR" altLang="en-US" sz="1500" dirty="0">
+                        <a:highlight>
+                          <a:srgbClr val="FF0000"/>
+                        </a:highlight>
+                      </a:endParaRPr>
                     </a:p>
                   </a:txBody>
                   <a:tcPr marL="68580" marR="68580" marT="34291" marB="34291" anchor="ctr">
@@ -6727,6 +6839,14 @@
                       <a:headEnd type="none" w="med" len="med"/>
                       <a:tailEnd type="none" w="med" len="med"/>
                     </a:lnB>
+                    <a:lnTlToBr w="12700" cmpd="sng">
+                      <a:noFill/>
+                      <a:prstDash val="solid"/>
+                    </a:lnTlToBr>
+                    <a:lnBlToTr w="12700" cmpd="sng">
+                      <a:noFill/>
+                      <a:prstDash val="solid"/>
+                    </a:lnBlToTr>
                     <a:solidFill>
                       <a:srgbClr val="FF0000"/>
                     </a:solidFill>
@@ -6738,7 +6858,11 @@
                     <a:lstStyle/>
                     <a:p>
                       <a:pPr algn="ctr" latinLnBrk="1"/>
-                      <a:endParaRPr lang="ko-KR" altLang="en-US" sz="1500" dirty="0"/>
+                      <a:endParaRPr lang="ko-KR" altLang="en-US" sz="1500" dirty="0">
+                        <a:highlight>
+                          <a:srgbClr val="FF0000"/>
+                        </a:highlight>
+                      </a:endParaRPr>
                     </a:p>
                   </a:txBody>
                   <a:tcPr marL="68580" marR="68580" marT="34291" marB="34291" anchor="ctr">
@@ -6778,6 +6902,14 @@
                       <a:headEnd type="none" w="med" len="med"/>
                       <a:tailEnd type="none" w="med" len="med"/>
                     </a:lnB>
+                    <a:lnTlToBr w="12700" cmpd="sng">
+                      <a:noFill/>
+                      <a:prstDash val="solid"/>
+                    </a:lnTlToBr>
+                    <a:lnBlToTr w="12700" cmpd="sng">
+                      <a:noFill/>
+                      <a:prstDash val="solid"/>
+                    </a:lnBlToTr>
                     <a:solidFill>
                       <a:srgbClr val="FF0000"/>
                     </a:solidFill>
@@ -6789,7 +6921,11 @@
                     <a:lstStyle/>
                     <a:p>
                       <a:pPr algn="ctr" latinLnBrk="1"/>
-                      <a:endParaRPr lang="ko-KR" altLang="en-US" sz="1500" dirty="0"/>
+                      <a:endParaRPr lang="ko-KR" altLang="en-US" sz="1500" dirty="0">
+                        <a:highlight>
+                          <a:srgbClr val="FF0000"/>
+                        </a:highlight>
+                      </a:endParaRPr>
                     </a:p>
                   </a:txBody>
                   <a:tcPr marL="68580" marR="68580" marT="34291" marB="34291" anchor="ctr">
@@ -6829,6 +6965,14 @@
                       <a:headEnd type="none" w="med" len="med"/>
                       <a:tailEnd type="none" w="med" len="med"/>
                     </a:lnB>
+                    <a:lnTlToBr w="12700" cmpd="sng">
+                      <a:noFill/>
+                      <a:prstDash val="solid"/>
+                    </a:lnTlToBr>
+                    <a:lnBlToTr w="12700" cmpd="sng">
+                      <a:noFill/>
+                      <a:prstDash val="solid"/>
+                    </a:lnBlToTr>
                     <a:solidFill>
                       <a:srgbClr val="FF0000"/>
                     </a:solidFill>
@@ -6840,7 +6984,11 @@
                     <a:lstStyle/>
                     <a:p>
                       <a:pPr algn="ctr" latinLnBrk="1"/>
-                      <a:endParaRPr lang="ko-KR" altLang="en-US" sz="1500" dirty="0"/>
+                      <a:endParaRPr lang="ko-KR" altLang="en-US" sz="1500" dirty="0">
+                        <a:highlight>
+                          <a:srgbClr val="FF0000"/>
+                        </a:highlight>
+                      </a:endParaRPr>
                     </a:p>
                   </a:txBody>
                   <a:tcPr marL="68580" marR="68580" marT="34291" marB="34291" anchor="ctr">
@@ -6880,6 +7028,14 @@
                       <a:headEnd type="none" w="med" len="med"/>
                       <a:tailEnd type="none" w="med" len="med"/>
                     </a:lnB>
+                    <a:lnTlToBr w="12700" cmpd="sng">
+                      <a:noFill/>
+                      <a:prstDash val="solid"/>
+                    </a:lnTlToBr>
+                    <a:lnBlToTr w="12700" cmpd="sng">
+                      <a:noFill/>
+                      <a:prstDash val="solid"/>
+                    </a:lnBlToTr>
                     <a:solidFill>
                       <a:srgbClr val="FF0000"/>
                     </a:solidFill>
@@ -6891,7 +7047,11 @@
                     <a:lstStyle/>
                     <a:p>
                       <a:pPr algn="ctr" latinLnBrk="1"/>
-                      <a:endParaRPr lang="ko-KR" altLang="en-US" sz="1500" dirty="0"/>
+                      <a:endParaRPr lang="ko-KR" altLang="en-US" sz="1500" dirty="0">
+                        <a:highlight>
+                          <a:srgbClr val="FF0000"/>
+                        </a:highlight>
+                      </a:endParaRPr>
                     </a:p>
                   </a:txBody>
                   <a:tcPr marL="68580" marR="68580" marT="34291" marB="34291" anchor="ctr">
@@ -6931,6 +7091,14 @@
                       <a:headEnd type="none" w="med" len="med"/>
                       <a:tailEnd type="none" w="med" len="med"/>
                     </a:lnB>
+                    <a:lnTlToBr w="12700" cmpd="sng">
+                      <a:noFill/>
+                      <a:prstDash val="solid"/>
+                    </a:lnTlToBr>
+                    <a:lnBlToTr w="12700" cmpd="sng">
+                      <a:noFill/>
+                      <a:prstDash val="solid"/>
+                    </a:lnBlToTr>
                     <a:solidFill>
                       <a:srgbClr val="FF0000"/>
                     </a:solidFill>
@@ -6942,7 +7110,11 @@
                     <a:lstStyle/>
                     <a:p>
                       <a:pPr algn="ctr" latinLnBrk="1"/>
-                      <a:endParaRPr lang="ko-KR" altLang="en-US" sz="1500" dirty="0"/>
+                      <a:endParaRPr lang="ko-KR" altLang="en-US" sz="1500" dirty="0">
+                        <a:highlight>
+                          <a:srgbClr val="FF0000"/>
+                        </a:highlight>
+                      </a:endParaRPr>
                     </a:p>
                   </a:txBody>
                   <a:tcPr marL="68580" marR="68580" marT="34291" marB="34291" anchor="ctr">
@@ -6982,6 +7154,14 @@
                       <a:headEnd type="none" w="med" len="med"/>
                       <a:tailEnd type="none" w="med" len="med"/>
                     </a:lnB>
+                    <a:lnTlToBr w="12700" cmpd="sng">
+                      <a:noFill/>
+                      <a:prstDash val="solid"/>
+                    </a:lnTlToBr>
+                    <a:lnBlToTr w="12700" cmpd="sng">
+                      <a:noFill/>
+                      <a:prstDash val="solid"/>
+                    </a:lnBlToTr>
                     <a:solidFill>
                       <a:srgbClr val="FF0000"/>
                     </a:solidFill>
@@ -6993,7 +7173,11 @@
                     <a:lstStyle/>
                     <a:p>
                       <a:pPr algn="ctr" latinLnBrk="1"/>
-                      <a:endParaRPr lang="ko-KR" altLang="en-US" sz="1500" dirty="0"/>
+                      <a:endParaRPr lang="ko-KR" altLang="en-US" sz="1500" dirty="0">
+                        <a:highlight>
+                          <a:srgbClr val="FF0000"/>
+                        </a:highlight>
+                      </a:endParaRPr>
                     </a:p>
                   </a:txBody>
                   <a:tcPr marL="68580" marR="68580" marT="34291" marB="34291" anchor="ctr">
@@ -7033,6 +7217,14 @@
                       <a:headEnd type="none" w="med" len="med"/>
                       <a:tailEnd type="none" w="med" len="med"/>
                     </a:lnB>
+                    <a:lnTlToBr w="12700" cmpd="sng">
+                      <a:noFill/>
+                      <a:prstDash val="solid"/>
+                    </a:lnTlToBr>
+                    <a:lnBlToTr w="12700" cmpd="sng">
+                      <a:noFill/>
+                      <a:prstDash val="solid"/>
+                    </a:lnBlToTr>
                     <a:solidFill>
                       <a:srgbClr val="FF0000"/>
                     </a:solidFill>
@@ -7044,7 +7236,11 @@
                     <a:lstStyle/>
                     <a:p>
                       <a:pPr algn="ctr" latinLnBrk="1"/>
-                      <a:endParaRPr lang="ko-KR" altLang="en-US" sz="1500" dirty="0"/>
+                      <a:endParaRPr lang="ko-KR" altLang="en-US" sz="1500" dirty="0">
+                        <a:highlight>
+                          <a:srgbClr val="FF0000"/>
+                        </a:highlight>
+                      </a:endParaRPr>
                     </a:p>
                   </a:txBody>
                   <a:tcPr marL="68580" marR="68580" marT="34291" marB="34291" anchor="ctr">
@@ -7084,6 +7280,14 @@
                       <a:headEnd type="none" w="med" len="med"/>
                       <a:tailEnd type="none" w="med" len="med"/>
                     </a:lnB>
+                    <a:lnTlToBr w="12700" cmpd="sng">
+                      <a:noFill/>
+                      <a:prstDash val="solid"/>
+                    </a:lnTlToBr>
+                    <a:lnBlToTr w="12700" cmpd="sng">
+                      <a:noFill/>
+                      <a:prstDash val="solid"/>
+                    </a:lnBlToTr>
                     <a:solidFill>
                       <a:srgbClr val="FF0000"/>
                     </a:solidFill>
@@ -7095,7 +7299,11 @@
                     <a:lstStyle/>
                     <a:p>
                       <a:pPr algn="ctr" latinLnBrk="1"/>
-                      <a:endParaRPr lang="ko-KR" altLang="en-US" sz="1500" dirty="0"/>
+                      <a:endParaRPr lang="ko-KR" altLang="en-US" sz="1500" dirty="0">
+                        <a:highlight>
+                          <a:srgbClr val="FF0000"/>
+                        </a:highlight>
+                      </a:endParaRPr>
                     </a:p>
                   </a:txBody>
                   <a:tcPr marL="68580" marR="68580" marT="34291" marB="34291" anchor="ctr">
@@ -7135,6 +7343,14 @@
                       <a:headEnd type="none" w="med" len="med"/>
                       <a:tailEnd type="none" w="med" len="med"/>
                     </a:lnB>
+                    <a:lnTlToBr w="12700" cmpd="sng">
+                      <a:noFill/>
+                      <a:prstDash val="solid"/>
+                    </a:lnTlToBr>
+                    <a:lnBlToTr w="12700" cmpd="sng">
+                      <a:noFill/>
+                      <a:prstDash val="solid"/>
+                    </a:lnBlToTr>
                     <a:solidFill>
                       <a:srgbClr val="FF0000"/>
                     </a:solidFill>
@@ -7146,7 +7362,11 @@
                     <a:lstStyle/>
                     <a:p>
                       <a:pPr algn="ctr" latinLnBrk="1"/>
-                      <a:endParaRPr lang="ko-KR" altLang="en-US" sz="1500" dirty="0"/>
+                      <a:endParaRPr lang="ko-KR" altLang="en-US" sz="1500" dirty="0">
+                        <a:highlight>
+                          <a:srgbClr val="FF0000"/>
+                        </a:highlight>
+                      </a:endParaRPr>
                     </a:p>
                   </a:txBody>
                   <a:tcPr marL="68580" marR="68580" marT="34291" marB="34291" anchor="ctr">
@@ -7161,7 +7381,7 @@
                     </a:lnL>
                     <a:lnR w="12700" cap="flat" cmpd="sng" algn="ctr">
                       <a:solidFill>
-                        <a:schemeClr val="tx1"/>
+                        <a:srgbClr val="FF0000"/>
                       </a:solidFill>
                       <a:prstDash val="solid"/>
                       <a:round/>
@@ -7186,6 +7406,14 @@
                       <a:headEnd type="none" w="med" len="med"/>
                       <a:tailEnd type="none" w="med" len="med"/>
                     </a:lnB>
+                    <a:lnTlToBr w="12700" cmpd="sng">
+                      <a:noFill/>
+                      <a:prstDash val="solid"/>
+                    </a:lnTlToBr>
+                    <a:lnBlToTr w="12700" cmpd="sng">
+                      <a:noFill/>
+                      <a:prstDash val="solid"/>
+                    </a:lnBlToTr>
                     <a:solidFill>
                       <a:srgbClr val="FF0000"/>
                     </a:solidFill>
@@ -7197,147 +7425,524 @@
                     <a:lstStyle/>
                     <a:p>
                       <a:pPr algn="ctr" latinLnBrk="1"/>
-                      <a:endParaRPr lang="ko-KR" altLang="en-US" sz="1500" dirty="0"/>
+                      <a:endParaRPr lang="ko-KR" altLang="en-US" sz="1500" dirty="0">
+                        <a:highlight>
+                          <a:srgbClr val="FF0000"/>
+                        </a:highlight>
+                      </a:endParaRPr>
                     </a:p>
                   </a:txBody>
                   <a:tcPr marL="68580" marR="68580" marT="34291" marB="34291" anchor="ctr">
                     <a:lnL w="12700" cap="flat" cmpd="sng" algn="ctr">
                       <a:solidFill>
-                        <a:schemeClr val="tx1"/>
+                        <a:srgbClr val="FF0000"/>
                       </a:solidFill>
                       <a:prstDash val="solid"/>
                       <a:round/>
                       <a:headEnd type="none" w="med" len="med"/>
                       <a:tailEnd type="none" w="med" len="med"/>
                     </a:lnL>
-                    <a:lnB w="12700" cap="flat" cmpd="sng" algn="ctr">
-                      <a:solidFill>
-                        <a:schemeClr val="tx1"/>
-                      </a:solidFill>
-                      <a:prstDash val="solid"/>
-                      <a:round/>
-                      <a:headEnd type="none" w="med" len="med"/>
-                      <a:tailEnd type="none" w="med" len="med"/>
-                    </a:lnB>
-                  </a:tcPr>
-                </a:tc>
-                <a:tc>
-                  <a:txBody>
-                    <a:bodyPr/>
-                    <a:lstStyle/>
-                    <a:p>
-                      <a:pPr algn="ctr" latinLnBrk="1"/>
-                      <a:endParaRPr lang="ko-KR" altLang="en-US" sz="1500" dirty="0"/>
-                    </a:p>
-                  </a:txBody>
-                  <a:tcPr marL="68580" marR="68580" marT="34291" marB="34291" anchor="ctr">
-                    <a:lnB w="12700" cap="flat" cmpd="sng" algn="ctr">
-                      <a:solidFill>
-                        <a:schemeClr val="tx1"/>
-                      </a:solidFill>
-                      <a:prstDash val="solid"/>
-                      <a:round/>
-                      <a:headEnd type="none" w="med" len="med"/>
-                      <a:tailEnd type="none" w="med" len="med"/>
-                    </a:lnB>
-                  </a:tcPr>
-                </a:tc>
-                <a:tc>
-                  <a:txBody>
-                    <a:bodyPr/>
-                    <a:lstStyle/>
-                    <a:p>
-                      <a:pPr algn="ctr" latinLnBrk="1"/>
-                      <a:endParaRPr lang="ko-KR" altLang="en-US" sz="1500" dirty="0"/>
-                    </a:p>
-                  </a:txBody>
-                  <a:tcPr marL="68580" marR="68580" marT="34291" marB="34291" anchor="ctr">
-                    <a:lnB w="12700" cap="flat" cmpd="sng" algn="ctr">
-                      <a:solidFill>
-                        <a:schemeClr val="tx1"/>
-                      </a:solidFill>
-                      <a:prstDash val="solid"/>
-                      <a:round/>
-                      <a:headEnd type="none" w="med" len="med"/>
-                      <a:tailEnd type="none" w="med" len="med"/>
-                    </a:lnB>
-                  </a:tcPr>
-                </a:tc>
-                <a:tc>
-                  <a:txBody>
-                    <a:bodyPr/>
-                    <a:lstStyle/>
-                    <a:p>
-                      <a:pPr algn="ctr" latinLnBrk="1"/>
-                      <a:endParaRPr lang="ko-KR" altLang="en-US" sz="1500" dirty="0"/>
-                    </a:p>
-                  </a:txBody>
-                  <a:tcPr marL="68580" marR="68580" marT="34291" marB="34291" anchor="ctr">
-                    <a:lnB w="12700" cap="flat" cmpd="sng" algn="ctr">
-                      <a:solidFill>
-                        <a:schemeClr val="tx1"/>
-                      </a:solidFill>
-                      <a:prstDash val="solid"/>
-                      <a:round/>
-                      <a:headEnd type="none" w="med" len="med"/>
-                      <a:tailEnd type="none" w="med" len="med"/>
-                    </a:lnB>
-                  </a:tcPr>
-                </a:tc>
-                <a:tc>
-                  <a:txBody>
-                    <a:bodyPr/>
-                    <a:lstStyle/>
-                    <a:p>
-                      <a:pPr algn="ctr" latinLnBrk="1"/>
-                      <a:endParaRPr lang="ko-KR" altLang="en-US" sz="1500" dirty="0"/>
-                    </a:p>
-                  </a:txBody>
-                  <a:tcPr marL="68580" marR="68580" marT="34291" marB="34291" anchor="ctr"/>
-                </a:tc>
-                <a:tc>
-                  <a:txBody>
-                    <a:bodyPr/>
-                    <a:lstStyle/>
-                    <a:p>
-                      <a:pPr algn="ctr" latinLnBrk="1"/>
-                      <a:endParaRPr lang="ko-KR" altLang="en-US" sz="1500" dirty="0"/>
-                    </a:p>
-                  </a:txBody>
-                  <a:tcPr marL="68580" marR="68580" marT="34291" marB="34291" anchor="ctr"/>
-                </a:tc>
-                <a:tc>
-                  <a:txBody>
-                    <a:bodyPr/>
-                    <a:lstStyle/>
-                    <a:p>
-                      <a:pPr algn="ctr" latinLnBrk="1"/>
-                      <a:endParaRPr lang="ko-KR" altLang="en-US" sz="1500" dirty="0"/>
-                    </a:p>
-                  </a:txBody>
-                  <a:tcPr marL="68580" marR="68580" marT="34291" marB="34291" anchor="ctr"/>
-                </a:tc>
-                <a:tc>
-                  <a:txBody>
-                    <a:bodyPr/>
-                    <a:lstStyle/>
-                    <a:p>
-                      <a:pPr algn="ctr" latinLnBrk="1"/>
-                      <a:endParaRPr lang="ko-KR" altLang="en-US" sz="1500" dirty="0"/>
-                    </a:p>
-                  </a:txBody>
-                  <a:tcPr marL="68580" marR="68580" marT="34291" marB="34291" anchor="ctr"/>
-                </a:tc>
-                <a:tc>
-                  <a:txBody>
-                    <a:bodyPr/>
-                    <a:lstStyle/>
-                    <a:p>
-                      <a:pPr algn="ctr" latinLnBrk="1"/>
-                      <a:endParaRPr lang="ko-KR" altLang="en-US" sz="1500" dirty="0"/>
-                    </a:p>
-                  </a:txBody>
-                  <a:tcPr marL="68580" marR="68580" marT="34291" marB="34291" anchor="ctr"/>
+                    <a:lnR w="12700" cap="flat" cmpd="sng" algn="ctr">
+                      <a:solidFill>
+                        <a:srgbClr val="FF0000"/>
+                      </a:solidFill>
+                      <a:prstDash val="solid"/>
+                      <a:round/>
+                      <a:headEnd type="none" w="med" len="med"/>
+                      <a:tailEnd type="none" w="med" len="med"/>
+                    </a:lnR>
+                    <a:lnT w="12700" cap="flat" cmpd="sng" algn="ctr">
+                      <a:solidFill>
+                        <a:schemeClr val="tx1"/>
+                      </a:solidFill>
+                      <a:prstDash val="solid"/>
+                      <a:round/>
+                      <a:headEnd type="none" w="med" len="med"/>
+                      <a:tailEnd type="none" w="med" len="med"/>
+                    </a:lnT>
+                    <a:lnB w="12700" cap="flat" cmpd="sng" algn="ctr">
+                      <a:solidFill>
+                        <a:schemeClr val="tx1"/>
+                      </a:solidFill>
+                      <a:prstDash val="solid"/>
+                      <a:round/>
+                      <a:headEnd type="none" w="med" len="med"/>
+                      <a:tailEnd type="none" w="med" len="med"/>
+                    </a:lnB>
+                    <a:lnTlToBr w="12700" cmpd="sng">
+                      <a:noFill/>
+                      <a:prstDash val="solid"/>
+                    </a:lnTlToBr>
+                    <a:lnBlToTr w="12700" cmpd="sng">
+                      <a:noFill/>
+                      <a:prstDash val="solid"/>
+                    </a:lnBlToTr>
+                    <a:solidFill>
+                      <a:srgbClr val="FF0000"/>
+                    </a:solidFill>
+                  </a:tcPr>
+                </a:tc>
+                <a:tc>
+                  <a:txBody>
+                    <a:bodyPr/>
+                    <a:lstStyle/>
+                    <a:p>
+                      <a:pPr algn="ctr" latinLnBrk="1"/>
+                      <a:endParaRPr lang="ko-KR" altLang="en-US" sz="1500" dirty="0">
+                        <a:highlight>
+                          <a:srgbClr val="FF0000"/>
+                        </a:highlight>
+                      </a:endParaRPr>
+                    </a:p>
+                  </a:txBody>
+                  <a:tcPr marL="68580" marR="68580" marT="34291" marB="34291" anchor="ctr">
+                    <a:lnL w="12700" cap="flat" cmpd="sng" algn="ctr">
+                      <a:solidFill>
+                        <a:srgbClr val="FF0000"/>
+                      </a:solidFill>
+                      <a:prstDash val="solid"/>
+                      <a:round/>
+                      <a:headEnd type="none" w="med" len="med"/>
+                      <a:tailEnd type="none" w="med" len="med"/>
+                    </a:lnL>
+                    <a:lnR w="12700" cap="flat" cmpd="sng" algn="ctr">
+                      <a:solidFill>
+                        <a:srgbClr val="FF0000"/>
+                      </a:solidFill>
+                      <a:prstDash val="solid"/>
+                      <a:round/>
+                      <a:headEnd type="none" w="med" len="med"/>
+                      <a:tailEnd type="none" w="med" len="med"/>
+                    </a:lnR>
+                    <a:lnT w="12700" cap="flat" cmpd="sng" algn="ctr">
+                      <a:solidFill>
+                        <a:schemeClr val="tx1"/>
+                      </a:solidFill>
+                      <a:prstDash val="solid"/>
+                      <a:round/>
+                      <a:headEnd type="none" w="med" len="med"/>
+                      <a:tailEnd type="none" w="med" len="med"/>
+                    </a:lnT>
+                    <a:lnB w="12700" cap="flat" cmpd="sng" algn="ctr">
+                      <a:solidFill>
+                        <a:schemeClr val="tx1"/>
+                      </a:solidFill>
+                      <a:prstDash val="solid"/>
+                      <a:round/>
+                      <a:headEnd type="none" w="med" len="med"/>
+                      <a:tailEnd type="none" w="med" len="med"/>
+                    </a:lnB>
+                    <a:lnTlToBr w="12700" cmpd="sng">
+                      <a:noFill/>
+                      <a:prstDash val="solid"/>
+                    </a:lnTlToBr>
+                    <a:lnBlToTr w="12700" cmpd="sng">
+                      <a:noFill/>
+                      <a:prstDash val="solid"/>
+                    </a:lnBlToTr>
+                    <a:solidFill>
+                      <a:srgbClr val="FF0000"/>
+                    </a:solidFill>
+                  </a:tcPr>
+                </a:tc>
+                <a:tc>
+                  <a:txBody>
+                    <a:bodyPr/>
+                    <a:lstStyle/>
+                    <a:p>
+                      <a:pPr algn="ctr" latinLnBrk="1"/>
+                      <a:endParaRPr lang="ko-KR" altLang="en-US" sz="1500" dirty="0">
+                        <a:highlight>
+                          <a:srgbClr val="FF0000"/>
+                        </a:highlight>
+                      </a:endParaRPr>
+                    </a:p>
+                  </a:txBody>
+                  <a:tcPr marL="68580" marR="68580" marT="34291" marB="34291" anchor="ctr">
+                    <a:lnL w="12700" cap="flat" cmpd="sng" algn="ctr">
+                      <a:solidFill>
+                        <a:srgbClr val="FF0000"/>
+                      </a:solidFill>
+                      <a:prstDash val="solid"/>
+                      <a:round/>
+                      <a:headEnd type="none" w="med" len="med"/>
+                      <a:tailEnd type="none" w="med" len="med"/>
+                    </a:lnL>
+                    <a:lnR w="12700" cap="flat" cmpd="sng" algn="ctr">
+                      <a:solidFill>
+                        <a:srgbClr val="FF0000"/>
+                      </a:solidFill>
+                      <a:prstDash val="solid"/>
+                      <a:round/>
+                      <a:headEnd type="none" w="med" len="med"/>
+                      <a:tailEnd type="none" w="med" len="med"/>
+                    </a:lnR>
+                    <a:lnT w="12700" cap="flat" cmpd="sng" algn="ctr">
+                      <a:solidFill>
+                        <a:schemeClr val="tx1"/>
+                      </a:solidFill>
+                      <a:prstDash val="solid"/>
+                      <a:round/>
+                      <a:headEnd type="none" w="med" len="med"/>
+                      <a:tailEnd type="none" w="med" len="med"/>
+                    </a:lnT>
+                    <a:lnB w="12700" cap="flat" cmpd="sng" algn="ctr">
+                      <a:solidFill>
+                        <a:schemeClr val="tx1"/>
+                      </a:solidFill>
+                      <a:prstDash val="solid"/>
+                      <a:round/>
+                      <a:headEnd type="none" w="med" len="med"/>
+                      <a:tailEnd type="none" w="med" len="med"/>
+                    </a:lnB>
+                    <a:lnTlToBr w="12700" cmpd="sng">
+                      <a:noFill/>
+                      <a:prstDash val="solid"/>
+                    </a:lnTlToBr>
+                    <a:lnBlToTr w="12700" cmpd="sng">
+                      <a:noFill/>
+                      <a:prstDash val="solid"/>
+                    </a:lnBlToTr>
+                    <a:solidFill>
+                      <a:srgbClr val="FF0000"/>
+                    </a:solidFill>
+                  </a:tcPr>
+                </a:tc>
+                <a:tc>
+                  <a:txBody>
+                    <a:bodyPr/>
+                    <a:lstStyle/>
+                    <a:p>
+                      <a:pPr algn="ctr" latinLnBrk="1"/>
+                      <a:endParaRPr lang="ko-KR" altLang="en-US" sz="1500" dirty="0">
+                        <a:highlight>
+                          <a:srgbClr val="FF0000"/>
+                        </a:highlight>
+                      </a:endParaRPr>
+                    </a:p>
+                  </a:txBody>
+                  <a:tcPr marL="68580" marR="68580" marT="34291" marB="34291" anchor="ctr">
+                    <a:lnL w="12700" cap="flat" cmpd="sng" algn="ctr">
+                      <a:solidFill>
+                        <a:srgbClr val="FF0000"/>
+                      </a:solidFill>
+                      <a:prstDash val="solid"/>
+                      <a:round/>
+                      <a:headEnd type="none" w="med" len="med"/>
+                      <a:tailEnd type="none" w="med" len="med"/>
+                    </a:lnL>
+                    <a:lnR w="12700" cap="flat" cmpd="sng" algn="ctr">
+                      <a:solidFill>
+                        <a:srgbClr val="FF0000"/>
+                      </a:solidFill>
+                      <a:prstDash val="solid"/>
+                      <a:round/>
+                      <a:headEnd type="none" w="med" len="med"/>
+                      <a:tailEnd type="none" w="med" len="med"/>
+                    </a:lnR>
+                    <a:lnT w="12700" cap="flat" cmpd="sng" algn="ctr">
+                      <a:solidFill>
+                        <a:schemeClr val="tx1"/>
+                      </a:solidFill>
+                      <a:prstDash val="solid"/>
+                      <a:round/>
+                      <a:headEnd type="none" w="med" len="med"/>
+                      <a:tailEnd type="none" w="med" len="med"/>
+                    </a:lnT>
+                    <a:lnB w="12700" cap="flat" cmpd="sng" algn="ctr">
+                      <a:solidFill>
+                        <a:schemeClr val="tx1"/>
+                      </a:solidFill>
+                      <a:prstDash val="solid"/>
+                      <a:round/>
+                      <a:headEnd type="none" w="med" len="med"/>
+                      <a:tailEnd type="none" w="med" len="med"/>
+                    </a:lnB>
+                    <a:lnTlToBr w="12700" cmpd="sng">
+                      <a:noFill/>
+                      <a:prstDash val="solid"/>
+                    </a:lnTlToBr>
+                    <a:lnBlToTr w="12700" cmpd="sng">
+                      <a:noFill/>
+                      <a:prstDash val="solid"/>
+                    </a:lnBlToTr>
+                    <a:solidFill>
+                      <a:srgbClr val="FF0000"/>
+                    </a:solidFill>
+                  </a:tcPr>
+                </a:tc>
+                <a:tc>
+                  <a:txBody>
+                    <a:bodyPr/>
+                    <a:lstStyle/>
+                    <a:p>
+                      <a:pPr algn="ctr" latinLnBrk="1"/>
+                      <a:endParaRPr lang="ko-KR" altLang="en-US" sz="1500" dirty="0">
+                        <a:highlight>
+                          <a:srgbClr val="FF0000"/>
+                        </a:highlight>
+                      </a:endParaRPr>
+                    </a:p>
+                  </a:txBody>
+                  <a:tcPr marL="68580" marR="68580" marT="34291" marB="34291" anchor="ctr">
+                    <a:lnL w="12700" cap="flat" cmpd="sng" algn="ctr">
+                      <a:solidFill>
+                        <a:srgbClr val="FF0000"/>
+                      </a:solidFill>
+                      <a:prstDash val="solid"/>
+                      <a:round/>
+                      <a:headEnd type="none" w="med" len="med"/>
+                      <a:tailEnd type="none" w="med" len="med"/>
+                    </a:lnL>
+                    <a:lnR w="12700" cap="flat" cmpd="sng" algn="ctr">
+                      <a:solidFill>
+                        <a:srgbClr val="FF0000"/>
+                      </a:solidFill>
+                      <a:prstDash val="solid"/>
+                      <a:round/>
+                      <a:headEnd type="none" w="med" len="med"/>
+                      <a:tailEnd type="none" w="med" len="med"/>
+                    </a:lnR>
+                    <a:lnT w="12700" cap="flat" cmpd="sng" algn="ctr">
+                      <a:solidFill>
+                        <a:schemeClr val="tx1"/>
+                      </a:solidFill>
+                      <a:prstDash val="solid"/>
+                      <a:round/>
+                      <a:headEnd type="none" w="med" len="med"/>
+                      <a:tailEnd type="none" w="med" len="med"/>
+                    </a:lnT>
+                    <a:lnB w="12700" cap="flat" cmpd="sng" algn="ctr">
+                      <a:solidFill>
+                        <a:schemeClr val="tx1"/>
+                      </a:solidFill>
+                      <a:prstDash val="solid"/>
+                      <a:round/>
+                      <a:headEnd type="none" w="med" len="med"/>
+                      <a:tailEnd type="none" w="med" len="med"/>
+                    </a:lnB>
+                    <a:lnTlToBr w="12700" cmpd="sng">
+                      <a:noFill/>
+                      <a:prstDash val="solid"/>
+                    </a:lnTlToBr>
+                    <a:lnBlToTr w="12700" cmpd="sng">
+                      <a:noFill/>
+                      <a:prstDash val="solid"/>
+                    </a:lnBlToTr>
+                    <a:solidFill>
+                      <a:srgbClr val="FF0000"/>
+                    </a:solidFill>
+                  </a:tcPr>
+                </a:tc>
+                <a:tc>
+                  <a:txBody>
+                    <a:bodyPr/>
+                    <a:lstStyle/>
+                    <a:p>
+                      <a:pPr algn="ctr" latinLnBrk="1"/>
+                      <a:endParaRPr lang="ko-KR" altLang="en-US" sz="1500" dirty="0">
+                        <a:highlight>
+                          <a:srgbClr val="FF0000"/>
+                        </a:highlight>
+                      </a:endParaRPr>
+                    </a:p>
+                  </a:txBody>
+                  <a:tcPr marL="68580" marR="68580" marT="34291" marB="34291" anchor="ctr">
+                    <a:lnL w="12700" cap="flat" cmpd="sng" algn="ctr">
+                      <a:solidFill>
+                        <a:srgbClr val="FF0000"/>
+                      </a:solidFill>
+                      <a:prstDash val="solid"/>
+                      <a:round/>
+                      <a:headEnd type="none" w="med" len="med"/>
+                      <a:tailEnd type="none" w="med" len="med"/>
+                    </a:lnL>
+                    <a:lnR w="12700" cap="flat" cmpd="sng" algn="ctr">
+                      <a:solidFill>
+                        <a:srgbClr val="FF0000"/>
+                      </a:solidFill>
+                      <a:prstDash val="solid"/>
+                      <a:round/>
+                      <a:headEnd type="none" w="med" len="med"/>
+                      <a:tailEnd type="none" w="med" len="med"/>
+                    </a:lnR>
+                    <a:lnT w="12700" cap="flat" cmpd="sng" algn="ctr">
+                      <a:solidFill>
+                        <a:schemeClr val="tx1"/>
+                      </a:solidFill>
+                      <a:prstDash val="solid"/>
+                      <a:round/>
+                      <a:headEnd type="none" w="med" len="med"/>
+                      <a:tailEnd type="none" w="med" len="med"/>
+                    </a:lnT>
+                    <a:lnB w="12700" cap="flat" cmpd="sng" algn="ctr">
+                      <a:solidFill>
+                        <a:schemeClr val="tx1"/>
+                      </a:solidFill>
+                      <a:prstDash val="solid"/>
+                      <a:round/>
+                      <a:headEnd type="none" w="med" len="med"/>
+                      <a:tailEnd type="none" w="med" len="med"/>
+                    </a:lnB>
+                    <a:lnTlToBr w="12700" cmpd="sng">
+                      <a:noFill/>
+                      <a:prstDash val="solid"/>
+                    </a:lnTlToBr>
+                    <a:lnBlToTr w="12700" cmpd="sng">
+                      <a:noFill/>
+                      <a:prstDash val="solid"/>
+                    </a:lnBlToTr>
+                    <a:solidFill>
+                      <a:srgbClr val="FF0000"/>
+                    </a:solidFill>
+                  </a:tcPr>
+                </a:tc>
+                <a:tc>
+                  <a:txBody>
+                    <a:bodyPr/>
+                    <a:lstStyle/>
+                    <a:p>
+                      <a:pPr algn="ctr" latinLnBrk="1"/>
+                      <a:endParaRPr lang="ko-KR" altLang="en-US" sz="1500" dirty="0">
+                        <a:highlight>
+                          <a:srgbClr val="FF0000"/>
+                        </a:highlight>
+                      </a:endParaRPr>
+                    </a:p>
+                  </a:txBody>
+                  <a:tcPr marL="68580" marR="68580" marT="34291" marB="34291" anchor="ctr">
+                    <a:lnL w="12700" cap="flat" cmpd="sng" algn="ctr">
+                      <a:solidFill>
+                        <a:srgbClr val="FF0000"/>
+                      </a:solidFill>
+                      <a:prstDash val="solid"/>
+                      <a:round/>
+                      <a:headEnd type="none" w="med" len="med"/>
+                      <a:tailEnd type="none" w="med" len="med"/>
+                    </a:lnL>
+                    <a:lnR w="12700" cap="flat" cmpd="sng" algn="ctr">
+                      <a:solidFill>
+                        <a:srgbClr val="FF0000"/>
+                      </a:solidFill>
+                      <a:prstDash val="solid"/>
+                      <a:round/>
+                      <a:headEnd type="none" w="med" len="med"/>
+                      <a:tailEnd type="none" w="med" len="med"/>
+                    </a:lnR>
+                    <a:lnT w="12700" cap="flat" cmpd="sng" algn="ctr">
+                      <a:solidFill>
+                        <a:schemeClr val="tx1"/>
+                      </a:solidFill>
+                      <a:prstDash val="solid"/>
+                      <a:round/>
+                      <a:headEnd type="none" w="med" len="med"/>
+                      <a:tailEnd type="none" w="med" len="med"/>
+                    </a:lnT>
+                    <a:lnB w="12700" cap="flat" cmpd="sng" algn="ctr">
+                      <a:solidFill>
+                        <a:schemeClr val="tx1"/>
+                      </a:solidFill>
+                      <a:prstDash val="solid"/>
+                      <a:round/>
+                      <a:headEnd type="none" w="med" len="med"/>
+                      <a:tailEnd type="none" w="med" len="med"/>
+                    </a:lnB>
+                    <a:lnTlToBr w="12700" cmpd="sng">
+                      <a:noFill/>
+                      <a:prstDash val="solid"/>
+                    </a:lnTlToBr>
+                    <a:lnBlToTr w="12700" cmpd="sng">
+                      <a:noFill/>
+                      <a:prstDash val="solid"/>
+                    </a:lnBlToTr>
+                    <a:solidFill>
+                      <a:srgbClr val="FF0000"/>
+                    </a:solidFill>
+                  </a:tcPr>
+                </a:tc>
+                <a:tc>
+                  <a:txBody>
+                    <a:bodyPr/>
+                    <a:lstStyle/>
+                    <a:p>
+                      <a:pPr algn="ctr" latinLnBrk="1"/>
+                      <a:endParaRPr lang="ko-KR" altLang="en-US" sz="1500" dirty="0">
+                        <a:highlight>
+                          <a:srgbClr val="FF0000"/>
+                        </a:highlight>
+                      </a:endParaRPr>
+                    </a:p>
+                  </a:txBody>
+                  <a:tcPr marL="68580" marR="68580" marT="34291" marB="34291" anchor="ctr">
+                    <a:lnL w="12700" cap="flat" cmpd="sng" algn="ctr">
+                      <a:solidFill>
+                        <a:srgbClr val="FF0000"/>
+                      </a:solidFill>
+                      <a:prstDash val="solid"/>
+                      <a:round/>
+                      <a:headEnd type="none" w="med" len="med"/>
+                      <a:tailEnd type="none" w="med" len="med"/>
+                    </a:lnL>
+                    <a:lnR w="12700" cap="flat" cmpd="sng" algn="ctr">
+                      <a:solidFill>
+                        <a:schemeClr val="tx1"/>
+                      </a:solidFill>
+                      <a:prstDash val="solid"/>
+                      <a:round/>
+                      <a:headEnd type="none" w="med" len="med"/>
+                      <a:tailEnd type="none" w="med" len="med"/>
+                    </a:lnR>
+                    <a:lnT w="12700" cap="flat" cmpd="sng" algn="ctr">
+                      <a:solidFill>
+                        <a:schemeClr val="tx1"/>
+                      </a:solidFill>
+                      <a:prstDash val="solid"/>
+                      <a:round/>
+                      <a:headEnd type="none" w="med" len="med"/>
+                      <a:tailEnd type="none" w="med" len="med"/>
+                    </a:lnT>
+                    <a:lnB w="12700" cap="flat" cmpd="sng" algn="ctr">
+                      <a:solidFill>
+                        <a:schemeClr val="tx1"/>
+                      </a:solidFill>
+                      <a:prstDash val="solid"/>
+                      <a:round/>
+                      <a:headEnd type="none" w="med" len="med"/>
+                      <a:tailEnd type="none" w="med" len="med"/>
+                    </a:lnB>
+                    <a:lnTlToBr w="12700" cmpd="sng">
+                      <a:noFill/>
+                      <a:prstDash val="solid"/>
+                    </a:lnTlToBr>
+                    <a:lnBlToTr w="12700" cmpd="sng">
+                      <a:noFill/>
+                      <a:prstDash val="solid"/>
+                    </a:lnBlToTr>
+                    <a:solidFill>
+                      <a:srgbClr val="FF0000"/>
+                    </a:solidFill>
+                  </a:tcPr>
+                </a:tc>
+                <a:tc>
+                  <a:txBody>
+                    <a:bodyPr/>
+                    <a:lstStyle/>
+                    <a:p>
+                      <a:pPr algn="ctr" latinLnBrk="1"/>
+                      <a:endParaRPr lang="ko-KR" altLang="en-US" sz="1500" dirty="0"/>
+                    </a:p>
+                  </a:txBody>
+                  <a:tcPr marL="68580" marR="68580" marT="34291" marB="34291" anchor="ctr">
+                    <a:lnL w="12700" cap="flat" cmpd="sng" algn="ctr">
+                      <a:solidFill>
+                        <a:schemeClr val="tx1"/>
+                      </a:solidFill>
+                      <a:prstDash val="solid"/>
+                      <a:round/>
+                      <a:headEnd type="none" w="med" len="med"/>
+                      <a:tailEnd type="none" w="med" len="med"/>
+                    </a:lnL>
+                  </a:tcPr>
                 </a:tc>
                 <a:tc>
                   <a:txBody>
@@ -8176,6 +8781,15 @@
                       <a:headEnd type="none" w="med" len="med"/>
                       <a:tailEnd type="none" w="med" len="med"/>
                     </a:lnL>
+                    <a:lnT w="12700" cap="flat" cmpd="sng" algn="ctr">
+                      <a:solidFill>
+                        <a:schemeClr val="tx1"/>
+                      </a:solidFill>
+                      <a:prstDash val="solid"/>
+                      <a:round/>
+                      <a:headEnd type="none" w="med" len="med"/>
+                      <a:tailEnd type="none" w="med" len="med"/>
+                    </a:lnT>
                     <a:lnB w="12700" cap="flat" cmpd="sng" algn="ctr">
                       <a:solidFill>
                         <a:schemeClr val="tx1"/>
@@ -8202,6 +8816,15 @@
                     </a:p>
                   </a:txBody>
                   <a:tcPr marL="68580" marR="68580" marT="34291" marB="34291" anchor="ctr">
+                    <a:lnT w="12700" cap="flat" cmpd="sng" algn="ctr">
+                      <a:solidFill>
+                        <a:schemeClr val="tx1"/>
+                      </a:solidFill>
+                      <a:prstDash val="solid"/>
+                      <a:round/>
+                      <a:headEnd type="none" w="med" len="med"/>
+                      <a:tailEnd type="none" w="med" len="med"/>
+                    </a:lnT>
                     <a:lnB w="12700" cap="flat" cmpd="sng" algn="ctr">
                       <a:solidFill>
                         <a:schemeClr val="tx1"/>
@@ -8228,6 +8851,15 @@
                     </a:p>
                   </a:txBody>
                   <a:tcPr marL="68580" marR="68580" marT="34291" marB="34291" anchor="ctr">
+                    <a:lnT w="12700" cap="flat" cmpd="sng" algn="ctr">
+                      <a:solidFill>
+                        <a:schemeClr val="tx1"/>
+                      </a:solidFill>
+                      <a:prstDash val="solid"/>
+                      <a:round/>
+                      <a:headEnd type="none" w="med" len="med"/>
+                      <a:tailEnd type="none" w="med" len="med"/>
+                    </a:lnT>
                     <a:solidFill>
                       <a:schemeClr val="bg1">
                         <a:lumMod val="85000"/>
@@ -8245,6 +8877,15 @@
                     </a:p>
                   </a:txBody>
                   <a:tcPr marL="68580" marR="68580" marT="34291" marB="34291" anchor="ctr">
+                    <a:lnT w="12700" cap="flat" cmpd="sng" algn="ctr">
+                      <a:solidFill>
+                        <a:schemeClr val="tx1"/>
+                      </a:solidFill>
+                      <a:prstDash val="solid"/>
+                      <a:round/>
+                      <a:headEnd type="none" w="med" len="med"/>
+                      <a:tailEnd type="none" w="med" len="med"/>
+                    </a:lnT>
                     <a:solidFill>
                       <a:schemeClr val="bg1">
                         <a:lumMod val="85000"/>

--- a/제안서/발표용 제안서/작업 진행표_수정_김선필_김나단_이용선.pptx
+++ b/제안서/발표용 제안서/작업 진행표_수정_김선필_김나단_이용선.pptx
@@ -283,7 +283,7 @@
           <a:p>
             <a:fld id="{EC245A31-2015-4155-9A77-CF02AF73B3CA}" type="datetimeFigureOut">
               <a:rPr lang="ko-KR" altLang="en-US" smtClean="0"/>
-              <a:t>2018-03-21</a:t>
+              <a:t>2018-04-17</a:t>
             </a:fld>
             <a:endParaRPr lang="ko-KR" altLang="en-US"/>
           </a:p>
@@ -613,7 +613,7 @@
           <a:p>
             <a:fld id="{EC245A31-2015-4155-9A77-CF02AF73B3CA}" type="datetimeFigureOut">
               <a:rPr lang="ko-KR" altLang="en-US" smtClean="0"/>
-              <a:t>2018-03-21</a:t>
+              <a:t>2018-04-17</a:t>
             </a:fld>
             <a:endParaRPr lang="ko-KR" altLang="en-US"/>
           </a:p>
@@ -793,7 +793,7 @@
           <a:p>
             <a:fld id="{EC245A31-2015-4155-9A77-CF02AF73B3CA}" type="datetimeFigureOut">
               <a:rPr lang="ko-KR" altLang="en-US" smtClean="0"/>
-              <a:t>2018-03-21</a:t>
+              <a:t>2018-04-17</a:t>
             </a:fld>
             <a:endParaRPr lang="ko-KR" altLang="en-US"/>
           </a:p>
@@ -963,7 +963,7 @@
           <a:p>
             <a:fld id="{EC245A31-2015-4155-9A77-CF02AF73B3CA}" type="datetimeFigureOut">
               <a:rPr lang="ko-KR" altLang="en-US" smtClean="0"/>
-              <a:t>2018-03-21</a:t>
+              <a:t>2018-04-17</a:t>
             </a:fld>
             <a:endParaRPr lang="ko-KR" altLang="en-US"/>
           </a:p>
@@ -1240,7 +1240,7 @@
           <a:p>
             <a:fld id="{EC245A31-2015-4155-9A77-CF02AF73B3CA}" type="datetimeFigureOut">
               <a:rPr lang="ko-KR" altLang="en-US" smtClean="0"/>
-              <a:t>2018-03-21</a:t>
+              <a:t>2018-04-17</a:t>
             </a:fld>
             <a:endParaRPr lang="ko-KR" altLang="en-US"/>
           </a:p>
@@ -1690,7 +1690,7 @@
           <a:p>
             <a:fld id="{EC245A31-2015-4155-9A77-CF02AF73B3CA}" type="datetimeFigureOut">
               <a:rPr lang="ko-KR" altLang="en-US" smtClean="0"/>
-              <a:t>2018-03-21</a:t>
+              <a:t>2018-04-17</a:t>
             </a:fld>
             <a:endParaRPr lang="ko-KR" altLang="en-US"/>
           </a:p>
@@ -2167,7 +2167,7 @@
           <a:p>
             <a:fld id="{EC245A31-2015-4155-9A77-CF02AF73B3CA}" type="datetimeFigureOut">
               <a:rPr lang="ko-KR" altLang="en-US" smtClean="0"/>
-              <a:t>2018-03-21</a:t>
+              <a:t>2018-04-17</a:t>
             </a:fld>
             <a:endParaRPr lang="ko-KR" altLang="en-US"/>
           </a:p>
@@ -2285,7 +2285,7 @@
           <a:p>
             <a:fld id="{EC245A31-2015-4155-9A77-CF02AF73B3CA}" type="datetimeFigureOut">
               <a:rPr lang="ko-KR" altLang="en-US" smtClean="0"/>
-              <a:t>2018-03-21</a:t>
+              <a:t>2018-04-17</a:t>
             </a:fld>
             <a:endParaRPr lang="ko-KR" altLang="en-US"/>
           </a:p>
@@ -2380,7 +2380,7 @@
           <a:p>
             <a:fld id="{EC245A31-2015-4155-9A77-CF02AF73B3CA}" type="datetimeFigureOut">
               <a:rPr lang="ko-KR" altLang="en-US" smtClean="0"/>
-              <a:t>2018-03-21</a:t>
+              <a:t>2018-04-17</a:t>
             </a:fld>
             <a:endParaRPr lang="ko-KR" altLang="en-US"/>
           </a:p>
@@ -2728,7 +2728,7 @@
           <a:p>
             <a:fld id="{EC245A31-2015-4155-9A77-CF02AF73B3CA}" type="datetimeFigureOut">
               <a:rPr lang="ko-KR" altLang="en-US" smtClean="0"/>
-              <a:t>2018-03-21</a:t>
+              <a:t>2018-04-17</a:t>
             </a:fld>
             <a:endParaRPr lang="ko-KR" altLang="en-US"/>
           </a:p>
@@ -3156,7 +3156,7 @@
           <a:p>
             <a:fld id="{EC245A31-2015-4155-9A77-CF02AF73B3CA}" type="datetimeFigureOut">
               <a:rPr lang="ko-KR" altLang="en-US" smtClean="0"/>
-              <a:t>2018-03-21</a:t>
+              <a:t>2018-04-17</a:t>
             </a:fld>
             <a:endParaRPr lang="ko-KR" altLang="en-US"/>
           </a:p>
@@ -3472,7 +3472,7 @@
           <a:p>
             <a:fld id="{EC245A31-2015-4155-9A77-CF02AF73B3CA}" type="datetimeFigureOut">
               <a:rPr lang="ko-KR" altLang="en-US" smtClean="0"/>
-              <a:t>2018-03-21</a:t>
+              <a:t>2018-04-17</a:t>
             </a:fld>
             <a:endParaRPr lang="ko-KR" altLang="en-US"/>
           </a:p>
@@ -5205,7 +5205,7 @@
           <p:nvPr>
             <p:extLst>
               <p:ext uri="{D42A27DB-BD31-4B8C-83A1-F6EECF244321}">
-                <p14:modId xmlns:p14="http://schemas.microsoft.com/office/powerpoint/2010/main" val="2118582003"/>
+                <p14:modId xmlns:p14="http://schemas.microsoft.com/office/powerpoint/2010/main" val="1025617815"/>
               </p:ext>
             </p:extLst>
           </p:nvPr>
@@ -5326,14 +5326,14 @@
                     </a:ext>
                   </a:extLst>
                 </a:gridCol>
-                <a:gridCol w="202451">
+                <a:gridCol w="242342">
                   <a:extLst>
                     <a:ext uri="{9D8B030D-6E8A-4147-A177-3AD203B41FA5}">
                       <a16:colId xmlns:a16="http://schemas.microsoft.com/office/drawing/2014/main" val="317942270"/>
                     </a:ext>
                   </a:extLst>
                 </a:gridCol>
-                <a:gridCol w="202451">
+                <a:gridCol w="162560">
                   <a:extLst>
                     <a:ext uri="{9D8B030D-6E8A-4147-A177-3AD203B41FA5}">
                       <a16:colId xmlns:a16="http://schemas.microsoft.com/office/drawing/2014/main" val="2602711372"/>
@@ -8860,6 +8860,15 @@
                       <a:headEnd type="none" w="med" len="med"/>
                       <a:tailEnd type="none" w="med" len="med"/>
                     </a:lnT>
+                    <a:lnB w="12700" cap="flat" cmpd="sng" algn="ctr">
+                      <a:solidFill>
+                        <a:schemeClr val="tx1"/>
+                      </a:solidFill>
+                      <a:prstDash val="solid"/>
+                      <a:round/>
+                      <a:headEnd type="none" w="med" len="med"/>
+                      <a:tailEnd type="none" w="med" len="med"/>
+                    </a:lnB>
                     <a:solidFill>
                       <a:schemeClr val="bg1">
                         <a:lumMod val="85000"/>
@@ -8886,6 +8895,15 @@
                       <a:headEnd type="none" w="med" len="med"/>
                       <a:tailEnd type="none" w="med" len="med"/>
                     </a:lnT>
+                    <a:lnB w="12700" cap="flat" cmpd="sng" algn="ctr">
+                      <a:solidFill>
+                        <a:schemeClr val="tx1"/>
+                      </a:solidFill>
+                      <a:prstDash val="solid"/>
+                      <a:round/>
+                      <a:headEnd type="none" w="med" len="med"/>
+                      <a:tailEnd type="none" w="med" len="med"/>
+                    </a:lnB>
                     <a:solidFill>
                       <a:schemeClr val="bg1">
                         <a:lumMod val="85000"/>
@@ -9234,7 +9252,7 @@
                   <a:tcPr marL="68580" marR="68580" marT="34291" marB="34291" anchor="ctr">
                     <a:lnR w="12700" cap="flat" cmpd="sng" algn="ctr">
                       <a:solidFill>
-                        <a:schemeClr val="tx1"/>
+                        <a:schemeClr val="bg1"/>
                       </a:solidFill>
                       <a:prstDash val="solid"/>
                       <a:round/>
@@ -9262,13 +9280,13 @@
                     <a:bodyPr/>
                     <a:lstStyle/>
                     <a:p>
-                      <a:endParaRPr lang="ko-KR" altLang="en-US" sz="1500" dirty="0"/>
+                      <a:endParaRPr lang="ko-KR" altLang="en-US" dirty="0"/>
                     </a:p>
                   </a:txBody>
                   <a:tcPr marL="68580" marR="68580" marT="34291" marB="34291" anchor="ctr">
                     <a:lnL w="12700" cap="flat" cmpd="sng" algn="ctr">
                       <a:solidFill>
-                        <a:schemeClr val="tx1"/>
+                        <a:schemeClr val="bg1"/>
                       </a:solidFill>
                       <a:prstDash val="solid"/>
                       <a:round/>
@@ -9277,7 +9295,7 @@
                     </a:lnL>
                     <a:lnR w="12700" cap="flat" cmpd="sng" algn="ctr">
                       <a:solidFill>
-                        <a:srgbClr val="FF0000"/>
+                        <a:schemeClr val="bg1"/>
                       </a:solidFill>
                       <a:prstDash val="solid"/>
                       <a:round/>
@@ -9294,302 +9312,20 @@
                       <a:tailEnd type="none" w="med" len="med"/>
                     </a:lnT>
                     <a:lnB w="12700" cap="flat" cmpd="sng" algn="ctr">
-                      <a:solidFill>
-                        <a:schemeClr val="tx1"/>
-                      </a:solidFill>
-                      <a:prstDash val="solid"/>
-                      <a:round/>
-                      <a:headEnd type="none" w="med" len="med"/>
-                      <a:tailEnd type="none" w="med" len="med"/>
-                    </a:lnB>
-                    <a:solidFill>
-                      <a:srgbClr val="FF0000"/>
-                    </a:solidFill>
-                  </a:tcPr>
-                </a:tc>
-                <a:tc>
-                  <a:txBody>
-                    <a:bodyPr/>
-                    <a:lstStyle/>
-                    <a:p>
-                      <a:pPr algn="ctr" latinLnBrk="1"/>
-                      <a:endParaRPr lang="ko-KR" altLang="en-US" sz="1500" dirty="0"/>
-                    </a:p>
-                  </a:txBody>
-                  <a:tcPr marL="68580" marR="68580" marT="34291" marB="34291" anchor="ctr">
-                    <a:lnL w="12700" cap="flat" cmpd="sng" algn="ctr">
-                      <a:solidFill>
-                        <a:srgbClr val="FF0000"/>
-                      </a:solidFill>
-                      <a:prstDash val="solid"/>
-                      <a:round/>
-                      <a:headEnd type="none" w="med" len="med"/>
-                      <a:tailEnd type="none" w="med" len="med"/>
-                    </a:lnL>
-                    <a:lnR w="12700" cap="flat" cmpd="sng" algn="ctr">
-                      <a:solidFill>
-                        <a:srgbClr val="FF0000"/>
-                      </a:solidFill>
-                      <a:prstDash val="solid"/>
-                      <a:round/>
-                      <a:headEnd type="none" w="med" len="med"/>
-                      <a:tailEnd type="none" w="med" len="med"/>
-                    </a:lnR>
-                    <a:lnT w="12700" cap="flat" cmpd="sng" algn="ctr">
-                      <a:solidFill>
-                        <a:schemeClr val="tx1"/>
-                      </a:solidFill>
-                      <a:prstDash val="solid"/>
-                      <a:round/>
-                      <a:headEnd type="none" w="med" len="med"/>
-                      <a:tailEnd type="none" w="med" len="med"/>
-                    </a:lnT>
-                    <a:lnB w="12700" cap="flat" cmpd="sng" algn="ctr">
-                      <a:solidFill>
-                        <a:schemeClr val="tx1"/>
-                      </a:solidFill>
-                      <a:prstDash val="solid"/>
-                      <a:round/>
-                      <a:headEnd type="none" w="med" len="med"/>
-                      <a:tailEnd type="none" w="med" len="med"/>
-                    </a:lnB>
-                    <a:solidFill>
-                      <a:srgbClr val="FF0000"/>
-                    </a:solidFill>
-                  </a:tcPr>
-                </a:tc>
-                <a:tc>
-                  <a:txBody>
-                    <a:bodyPr/>
-                    <a:lstStyle/>
-                    <a:p>
-                      <a:pPr algn="ctr" latinLnBrk="1"/>
-                      <a:endParaRPr lang="ko-KR" altLang="en-US" sz="1500" dirty="0"/>
-                    </a:p>
-                  </a:txBody>
-                  <a:tcPr marL="68580" marR="68580" marT="34291" marB="34291" anchor="ctr">
-                    <a:lnL w="12700" cap="flat" cmpd="sng" algn="ctr">
-                      <a:solidFill>
-                        <a:srgbClr val="FF0000"/>
-                      </a:solidFill>
-                      <a:prstDash val="solid"/>
-                      <a:round/>
-                      <a:headEnd type="none" w="med" len="med"/>
-                      <a:tailEnd type="none" w="med" len="med"/>
-                    </a:lnL>
-                    <a:lnR w="12700" cap="flat" cmpd="sng" algn="ctr">
-                      <a:solidFill>
-                        <a:srgbClr val="FF0000"/>
-                      </a:solidFill>
-                      <a:prstDash val="solid"/>
-                      <a:round/>
-                      <a:headEnd type="none" w="med" len="med"/>
-                      <a:tailEnd type="none" w="med" len="med"/>
-                    </a:lnR>
-                    <a:lnT w="12700" cap="flat" cmpd="sng" algn="ctr">
-                      <a:solidFill>
-                        <a:schemeClr val="tx1"/>
-                      </a:solidFill>
-                      <a:prstDash val="solid"/>
-                      <a:round/>
-                      <a:headEnd type="none" w="med" len="med"/>
-                      <a:tailEnd type="none" w="med" len="med"/>
-                    </a:lnT>
-                    <a:lnB w="12700" cap="flat" cmpd="sng" algn="ctr">
-                      <a:solidFill>
-                        <a:schemeClr val="tx1"/>
-                      </a:solidFill>
-                      <a:prstDash val="solid"/>
-                      <a:round/>
-                      <a:headEnd type="none" w="med" len="med"/>
-                      <a:tailEnd type="none" w="med" len="med"/>
-                    </a:lnB>
-                    <a:solidFill>
-                      <a:srgbClr val="FF0000"/>
-                    </a:solidFill>
-                  </a:tcPr>
-                </a:tc>
-                <a:tc>
-                  <a:txBody>
-                    <a:bodyPr/>
-                    <a:lstStyle/>
-                    <a:p>
-                      <a:pPr algn="ctr" latinLnBrk="1"/>
-                      <a:endParaRPr lang="ko-KR" altLang="en-US" sz="1500" dirty="0"/>
-                    </a:p>
-                  </a:txBody>
-                  <a:tcPr marL="68580" marR="68580" marT="34291" marB="34291" anchor="ctr">
-                    <a:lnL w="12700" cap="flat" cmpd="sng" algn="ctr">
-                      <a:solidFill>
-                        <a:srgbClr val="FF0000"/>
-                      </a:solidFill>
-                      <a:prstDash val="solid"/>
-                      <a:round/>
-                      <a:headEnd type="none" w="med" len="med"/>
-                      <a:tailEnd type="none" w="med" len="med"/>
-                    </a:lnL>
-                    <a:lnR w="12700" cap="flat" cmpd="sng" algn="ctr">
-                      <a:solidFill>
-                        <a:srgbClr val="FF0000"/>
-                      </a:solidFill>
-                      <a:prstDash val="solid"/>
-                      <a:round/>
-                      <a:headEnd type="none" w="med" len="med"/>
-                      <a:tailEnd type="none" w="med" len="med"/>
-                    </a:lnR>
-                    <a:lnT w="12700" cap="flat" cmpd="sng" algn="ctr">
-                      <a:solidFill>
-                        <a:schemeClr val="tx1"/>
-                      </a:solidFill>
-                      <a:prstDash val="solid"/>
-                      <a:round/>
-                      <a:headEnd type="none" w="med" len="med"/>
-                      <a:tailEnd type="none" w="med" len="med"/>
-                    </a:lnT>
-                    <a:lnB w="12700" cap="flat" cmpd="sng" algn="ctr">
-                      <a:solidFill>
-                        <a:schemeClr val="tx1"/>
-                      </a:solidFill>
-                      <a:prstDash val="solid"/>
-                      <a:round/>
-                      <a:headEnd type="none" w="med" len="med"/>
-                      <a:tailEnd type="none" w="med" len="med"/>
-                    </a:lnB>
-                    <a:solidFill>
-                      <a:srgbClr val="FF0000"/>
-                    </a:solidFill>
-                  </a:tcPr>
-                </a:tc>
-                <a:tc>
-                  <a:txBody>
-                    <a:bodyPr/>
-                    <a:lstStyle/>
-                    <a:p>
-                      <a:pPr algn="ctr" latinLnBrk="1"/>
-                      <a:endParaRPr lang="ko-KR" altLang="en-US" sz="1500" dirty="0"/>
-                    </a:p>
-                  </a:txBody>
-                  <a:tcPr marL="68580" marR="68580" marT="34291" marB="34291" anchor="ctr">
-                    <a:lnL w="12700" cap="flat" cmpd="sng" algn="ctr">
-                      <a:solidFill>
-                        <a:srgbClr val="FF0000"/>
-                      </a:solidFill>
-                      <a:prstDash val="solid"/>
-                      <a:round/>
-                      <a:headEnd type="none" w="med" len="med"/>
-                      <a:tailEnd type="none" w="med" len="med"/>
-                    </a:lnL>
-                    <a:lnR w="12700" cap="flat" cmpd="sng" algn="ctr">
-                      <a:solidFill>
-                        <a:srgbClr val="FF0000"/>
-                      </a:solidFill>
-                      <a:prstDash val="solid"/>
-                      <a:round/>
-                      <a:headEnd type="none" w="med" len="med"/>
-                      <a:tailEnd type="none" w="med" len="med"/>
-                    </a:lnR>
-                    <a:lnT w="12700" cap="flat" cmpd="sng" algn="ctr">
-                      <a:solidFill>
-                        <a:schemeClr val="tx1"/>
-                      </a:solidFill>
-                      <a:prstDash val="solid"/>
-                      <a:round/>
-                      <a:headEnd type="none" w="med" len="med"/>
-                      <a:tailEnd type="none" w="med" len="med"/>
-                    </a:lnT>
-                    <a:lnB w="12700" cap="flat" cmpd="sng" algn="ctr">
-                      <a:solidFill>
-                        <a:schemeClr val="tx1"/>
-                      </a:solidFill>
-                      <a:prstDash val="solid"/>
-                      <a:round/>
-                      <a:headEnd type="none" w="med" len="med"/>
-                      <a:tailEnd type="none" w="med" len="med"/>
-                    </a:lnB>
-                    <a:solidFill>
-                      <a:srgbClr val="FF0000"/>
-                    </a:solidFill>
-                  </a:tcPr>
-                </a:tc>
-                <a:tc>
-                  <a:txBody>
-                    <a:bodyPr/>
-                    <a:lstStyle/>
-                    <a:p>
-                      <a:pPr algn="ctr" latinLnBrk="1"/>
-                      <a:endParaRPr lang="ko-KR" altLang="en-US" sz="1500" dirty="0"/>
-                    </a:p>
-                  </a:txBody>
-                  <a:tcPr marL="68580" marR="68580" marT="34291" marB="34291" anchor="ctr">
-                    <a:lnL w="12700" cap="flat" cmpd="sng" algn="ctr">
-                      <a:solidFill>
-                        <a:srgbClr val="FF0000"/>
-                      </a:solidFill>
-                      <a:prstDash val="solid"/>
-                      <a:round/>
-                      <a:headEnd type="none" w="med" len="med"/>
-                      <a:tailEnd type="none" w="med" len="med"/>
-                    </a:lnL>
-                    <a:lnR w="12700" cap="flat" cmpd="sng" algn="ctr">
-                      <a:solidFill>
-                        <a:schemeClr val="tx1"/>
-                      </a:solidFill>
-                      <a:prstDash val="solid"/>
-                      <a:round/>
-                      <a:headEnd type="none" w="med" len="med"/>
-                      <a:tailEnd type="none" w="med" len="med"/>
-                    </a:lnR>
-                    <a:lnT w="12700" cap="flat" cmpd="sng" algn="ctr">
-                      <a:solidFill>
-                        <a:schemeClr val="tx1"/>
-                      </a:solidFill>
-                      <a:prstDash val="solid"/>
-                      <a:round/>
-                      <a:headEnd type="none" w="med" len="med"/>
-                      <a:tailEnd type="none" w="med" len="med"/>
-                    </a:lnT>
-                    <a:lnB w="12700" cap="flat" cmpd="sng" algn="ctr">
-                      <a:solidFill>
-                        <a:schemeClr val="tx1"/>
-                      </a:solidFill>
-                      <a:prstDash val="solid"/>
-                      <a:round/>
-                      <a:headEnd type="none" w="med" len="med"/>
-                      <a:tailEnd type="none" w="med" len="med"/>
-                    </a:lnB>
-                    <a:solidFill>
-                      <a:srgbClr val="FF0000"/>
-                    </a:solidFill>
-                  </a:tcPr>
-                </a:tc>
-                <a:tc>
-                  <a:txBody>
-                    <a:bodyPr/>
-                    <a:lstStyle/>
-                    <a:p>
-                      <a:pPr algn="ctr" latinLnBrk="1"/>
-                      <a:endParaRPr lang="ko-KR" altLang="en-US" sz="1500" dirty="0"/>
-                    </a:p>
-                  </a:txBody>
-                  <a:tcPr marL="68580" marR="68580" marT="34291" marB="34291" anchor="ctr">
-                    <a:lnL w="12700" cap="flat" cmpd="sng" algn="ctr">
-                      <a:solidFill>
-                        <a:schemeClr val="tx1"/>
-                      </a:solidFill>
-                      <a:prstDash val="solid"/>
-                      <a:round/>
-                      <a:headEnd type="none" w="med" len="med"/>
-                      <a:tailEnd type="none" w="med" len="med"/>
-                    </a:lnL>
-                    <a:lnB w="12700" cap="flat" cmpd="sng" algn="ctr">
-                      <a:solidFill>
-                        <a:schemeClr val="tx1"/>
-                      </a:solidFill>
-                      <a:prstDash val="solid"/>
-                      <a:round/>
-                      <a:headEnd type="none" w="med" len="med"/>
-                      <a:tailEnd type="none" w="med" len="med"/>
-                    </a:lnB>
+                      <a:noFill/>
+                      <a:prstDash val="solid"/>
+                      <a:round/>
+                      <a:headEnd type="none" w="med" len="med"/>
+                      <a:tailEnd type="none" w="med" len="med"/>
+                    </a:lnB>
+                    <a:lnTlToBr w="12700" cmpd="sng">
+                      <a:noFill/>
+                      <a:prstDash val="solid"/>
+                    </a:lnTlToBr>
+                    <a:lnBlToTr w="12700" cmpd="sng">
+                      <a:noFill/>
+                      <a:prstDash val="solid"/>
+                    </a:lnBlToTr>
                     <a:solidFill>
                       <a:schemeClr val="bg1">
                         <a:lumMod val="95000"/>
@@ -9602,20 +9338,52 @@
                     <a:bodyPr/>
                     <a:lstStyle/>
                     <a:p>
-                      <a:pPr algn="ctr" latinLnBrk="1"/>
-                      <a:endParaRPr lang="ko-KR" altLang="en-US" sz="1500" dirty="0"/>
-                    </a:p>
-                  </a:txBody>
-                  <a:tcPr marL="68580" marR="68580" marT="34291" marB="34291" anchor="ctr">
-                    <a:lnB w="12700" cap="flat" cmpd="sng" algn="ctr">
-                      <a:solidFill>
-                        <a:schemeClr val="tx1"/>
-                      </a:solidFill>
-                      <a:prstDash val="solid"/>
-                      <a:round/>
-                      <a:headEnd type="none" w="med" len="med"/>
-                      <a:tailEnd type="none" w="med" len="med"/>
-                    </a:lnB>
+                      <a:endParaRPr lang="ko-KR" altLang="en-US" dirty="0"/>
+                    </a:p>
+                  </a:txBody>
+                  <a:tcPr marL="68580" marR="68580" marT="34291" marB="34291" anchor="ctr">
+                    <a:lnL w="12700" cap="flat" cmpd="sng" algn="ctr">
+                      <a:solidFill>
+                        <a:schemeClr val="bg1"/>
+                      </a:solidFill>
+                      <a:prstDash val="solid"/>
+                      <a:round/>
+                      <a:headEnd type="none" w="med" len="med"/>
+                      <a:tailEnd type="none" w="med" len="med"/>
+                    </a:lnL>
+                    <a:lnR w="12700" cap="flat" cmpd="sng" algn="ctr">
+                      <a:solidFill>
+                        <a:schemeClr val="bg1"/>
+                      </a:solidFill>
+                      <a:prstDash val="solid"/>
+                      <a:round/>
+                      <a:headEnd type="none" w="med" len="med"/>
+                      <a:tailEnd type="none" w="med" len="med"/>
+                    </a:lnR>
+                    <a:lnT w="12700" cap="flat" cmpd="sng" algn="ctr">
+                      <a:solidFill>
+                        <a:schemeClr val="tx1"/>
+                      </a:solidFill>
+                      <a:prstDash val="solid"/>
+                      <a:round/>
+                      <a:headEnd type="none" w="med" len="med"/>
+                      <a:tailEnd type="none" w="med" len="med"/>
+                    </a:lnT>
+                    <a:lnB w="12700" cap="flat" cmpd="sng" algn="ctr">
+                      <a:noFill/>
+                      <a:prstDash val="solid"/>
+                      <a:round/>
+                      <a:headEnd type="none" w="med" len="med"/>
+                      <a:tailEnd type="none" w="med" len="med"/>
+                    </a:lnB>
+                    <a:lnTlToBr w="12700" cmpd="sng">
+                      <a:noFill/>
+                      <a:prstDash val="solid"/>
+                    </a:lnTlToBr>
+                    <a:lnBlToTr w="12700" cmpd="sng">
+                      <a:noFill/>
+                      <a:prstDash val="solid"/>
+                    </a:lnBlToTr>
                     <a:solidFill>
                       <a:schemeClr val="bg1">
                         <a:lumMod val="95000"/>
@@ -9628,20 +9396,54 @@
                     <a:bodyPr/>
                     <a:lstStyle/>
                     <a:p>
-                      <a:pPr algn="ctr" latinLnBrk="1"/>
-                      <a:endParaRPr lang="ko-KR" altLang="en-US" sz="1500" dirty="0"/>
-                    </a:p>
-                  </a:txBody>
-                  <a:tcPr marL="68580" marR="68580" marT="34291" marB="34291" anchor="ctr">
-                    <a:lnB w="12700" cap="flat" cmpd="sng" algn="ctr">
-                      <a:solidFill>
-                        <a:schemeClr val="tx1"/>
-                      </a:solidFill>
-                      <a:prstDash val="solid"/>
-                      <a:round/>
-                      <a:headEnd type="none" w="med" len="med"/>
-                      <a:tailEnd type="none" w="med" len="med"/>
-                    </a:lnB>
+                      <a:endParaRPr lang="ko-KR" altLang="en-US" dirty="0"/>
+                    </a:p>
+                  </a:txBody>
+                  <a:tcPr marL="68580" marR="68580" marT="34291" marB="34291" anchor="ctr">
+                    <a:lnL w="12700" cap="flat" cmpd="sng" algn="ctr">
+                      <a:solidFill>
+                        <a:schemeClr val="bg1"/>
+                      </a:solidFill>
+                      <a:prstDash val="solid"/>
+                      <a:round/>
+                      <a:headEnd type="none" w="med" len="med"/>
+                      <a:tailEnd type="none" w="med" len="med"/>
+                    </a:lnL>
+                    <a:lnR w="12700" cap="flat" cmpd="sng" algn="ctr">
+                      <a:solidFill>
+                        <a:schemeClr val="tx1"/>
+                      </a:solidFill>
+                      <a:prstDash val="solid"/>
+                      <a:round/>
+                      <a:headEnd type="none" w="med" len="med"/>
+                      <a:tailEnd type="none" w="med" len="med"/>
+                    </a:lnR>
+                    <a:lnT w="12700" cap="flat" cmpd="sng" algn="ctr">
+                      <a:solidFill>
+                        <a:schemeClr val="tx1"/>
+                      </a:solidFill>
+                      <a:prstDash val="solid"/>
+                      <a:round/>
+                      <a:headEnd type="none" w="med" len="med"/>
+                      <a:tailEnd type="none" w="med" len="med"/>
+                    </a:lnT>
+                    <a:lnB w="12700" cap="flat" cmpd="sng" algn="ctr">
+                      <a:solidFill>
+                        <a:schemeClr val="tx1"/>
+                      </a:solidFill>
+                      <a:prstDash val="solid"/>
+                      <a:round/>
+                      <a:headEnd type="none" w="med" len="med"/>
+                      <a:tailEnd type="none" w="med" len="med"/>
+                    </a:lnB>
+                    <a:lnTlToBr w="12700" cmpd="sng">
+                      <a:noFill/>
+                      <a:prstDash val="solid"/>
+                    </a:lnTlToBr>
+                    <a:lnBlToTr w="12700" cmpd="sng">
+                      <a:noFill/>
+                      <a:prstDash val="solid"/>
+                    </a:lnBlToTr>
                     <a:solidFill>
                       <a:schemeClr val="bg1">
                         <a:lumMod val="95000"/>
@@ -9654,11 +9456,298 @@
                     <a:bodyPr/>
                     <a:lstStyle/>
                     <a:p>
-                      <a:pPr algn="ctr" latinLnBrk="1"/>
-                      <a:endParaRPr lang="ko-KR" altLang="en-US" sz="1500" dirty="0"/>
-                    </a:p>
-                  </a:txBody>
-                  <a:tcPr marL="68580" marR="68580" marT="34291" marB="34291" anchor="ctr">
+                      <a:endParaRPr lang="ko-KR" altLang="en-US" sz="1500" dirty="0"/>
+                    </a:p>
+                  </a:txBody>
+                  <a:tcPr marL="68580" marR="68580" marT="34291" marB="34291" anchor="ctr">
+                    <a:lnL w="12700" cap="flat" cmpd="sng" algn="ctr">
+                      <a:solidFill>
+                        <a:schemeClr val="tx1"/>
+                      </a:solidFill>
+                      <a:prstDash val="solid"/>
+                      <a:round/>
+                      <a:headEnd type="none" w="med" len="med"/>
+                      <a:tailEnd type="none" w="med" len="med"/>
+                    </a:lnL>
+                    <a:lnR w="12700" cap="flat" cmpd="sng" algn="ctr">
+                      <a:solidFill>
+                        <a:srgbClr val="FF0000"/>
+                      </a:solidFill>
+                      <a:prstDash val="solid"/>
+                      <a:round/>
+                      <a:headEnd type="none" w="med" len="med"/>
+                      <a:tailEnd type="none" w="med" len="med"/>
+                    </a:lnR>
+                    <a:lnT w="12700" cap="flat" cmpd="sng" algn="ctr">
+                      <a:solidFill>
+                        <a:schemeClr val="tx1"/>
+                      </a:solidFill>
+                      <a:prstDash val="solid"/>
+                      <a:round/>
+                      <a:headEnd type="none" w="med" len="med"/>
+                      <a:tailEnd type="none" w="med" len="med"/>
+                    </a:lnT>
+                    <a:lnB w="12700" cap="flat" cmpd="sng" algn="ctr">
+                      <a:solidFill>
+                        <a:schemeClr val="tx1"/>
+                      </a:solidFill>
+                      <a:prstDash val="solid"/>
+                      <a:round/>
+                      <a:headEnd type="none" w="med" len="med"/>
+                      <a:tailEnd type="none" w="med" len="med"/>
+                    </a:lnB>
+                    <a:lnTlToBr w="12700" cmpd="sng">
+                      <a:noFill/>
+                      <a:prstDash val="solid"/>
+                    </a:lnTlToBr>
+                    <a:lnBlToTr w="12700" cmpd="sng">
+                      <a:noFill/>
+                      <a:prstDash val="solid"/>
+                    </a:lnBlToTr>
+                    <a:solidFill>
+                      <a:srgbClr val="FF0000"/>
+                    </a:solidFill>
+                  </a:tcPr>
+                </a:tc>
+                <a:tc>
+                  <a:txBody>
+                    <a:bodyPr/>
+                    <a:lstStyle/>
+                    <a:p>
+                      <a:pPr algn="ctr" latinLnBrk="1"/>
+                      <a:endParaRPr lang="ko-KR" altLang="en-US" sz="1500" dirty="0"/>
+                    </a:p>
+                  </a:txBody>
+                  <a:tcPr marL="68580" marR="68580" marT="34291" marB="34291" anchor="ctr">
+                    <a:lnL w="12700" cap="flat" cmpd="sng" algn="ctr">
+                      <a:solidFill>
+                        <a:srgbClr val="FF0000"/>
+                      </a:solidFill>
+                      <a:prstDash val="solid"/>
+                      <a:round/>
+                      <a:headEnd type="none" w="med" len="med"/>
+                      <a:tailEnd type="none" w="med" len="med"/>
+                    </a:lnL>
+                    <a:lnR w="12700" cap="flat" cmpd="sng" algn="ctr">
+                      <a:solidFill>
+                        <a:srgbClr val="FF0000"/>
+                      </a:solidFill>
+                      <a:prstDash val="solid"/>
+                      <a:round/>
+                      <a:headEnd type="none" w="med" len="med"/>
+                      <a:tailEnd type="none" w="med" len="med"/>
+                    </a:lnR>
+                    <a:lnT w="12700" cap="flat" cmpd="sng" algn="ctr">
+                      <a:solidFill>
+                        <a:schemeClr val="tx1"/>
+                      </a:solidFill>
+                      <a:prstDash val="solid"/>
+                      <a:round/>
+                      <a:headEnd type="none" w="med" len="med"/>
+                      <a:tailEnd type="none" w="med" len="med"/>
+                    </a:lnT>
+                    <a:lnB w="12700" cap="flat" cmpd="sng" algn="ctr">
+                      <a:solidFill>
+                        <a:schemeClr val="tx1"/>
+                      </a:solidFill>
+                      <a:prstDash val="solid"/>
+                      <a:round/>
+                      <a:headEnd type="none" w="med" len="med"/>
+                      <a:tailEnd type="none" w="med" len="med"/>
+                    </a:lnB>
+                    <a:lnTlToBr w="12700" cmpd="sng">
+                      <a:noFill/>
+                      <a:prstDash val="solid"/>
+                    </a:lnTlToBr>
+                    <a:lnBlToTr w="12700" cmpd="sng">
+                      <a:noFill/>
+                      <a:prstDash val="solid"/>
+                    </a:lnBlToTr>
+                    <a:solidFill>
+                      <a:srgbClr val="FF0000"/>
+                    </a:solidFill>
+                  </a:tcPr>
+                </a:tc>
+                <a:tc>
+                  <a:txBody>
+                    <a:bodyPr/>
+                    <a:lstStyle/>
+                    <a:p>
+                      <a:pPr algn="ctr" latinLnBrk="1"/>
+                      <a:endParaRPr lang="ko-KR" altLang="en-US" sz="1500" dirty="0"/>
+                    </a:p>
+                  </a:txBody>
+                  <a:tcPr marL="68580" marR="68580" marT="34291" marB="34291" anchor="ctr">
+                    <a:lnL w="12700" cap="flat" cmpd="sng" algn="ctr">
+                      <a:solidFill>
+                        <a:srgbClr val="FF0000"/>
+                      </a:solidFill>
+                      <a:prstDash val="solid"/>
+                      <a:round/>
+                      <a:headEnd type="none" w="med" len="med"/>
+                      <a:tailEnd type="none" w="med" len="med"/>
+                    </a:lnL>
+                    <a:lnR w="12700" cap="flat" cmpd="sng" algn="ctr">
+                      <a:solidFill>
+                        <a:srgbClr val="FF0000"/>
+                      </a:solidFill>
+                      <a:prstDash val="solid"/>
+                      <a:round/>
+                      <a:headEnd type="none" w="med" len="med"/>
+                      <a:tailEnd type="none" w="med" len="med"/>
+                    </a:lnR>
+                    <a:lnT w="12700" cap="flat" cmpd="sng" algn="ctr">
+                      <a:solidFill>
+                        <a:schemeClr val="tx1"/>
+                      </a:solidFill>
+                      <a:prstDash val="solid"/>
+                      <a:round/>
+                      <a:headEnd type="none" w="med" len="med"/>
+                      <a:tailEnd type="none" w="med" len="med"/>
+                    </a:lnT>
+                    <a:lnB w="12700" cap="flat" cmpd="sng" algn="ctr">
+                      <a:solidFill>
+                        <a:schemeClr val="tx1"/>
+                      </a:solidFill>
+                      <a:prstDash val="solid"/>
+                      <a:round/>
+                      <a:headEnd type="none" w="med" len="med"/>
+                      <a:tailEnd type="none" w="med" len="med"/>
+                    </a:lnB>
+                    <a:lnTlToBr w="12700" cmpd="sng">
+                      <a:noFill/>
+                      <a:prstDash val="solid"/>
+                    </a:lnTlToBr>
+                    <a:lnBlToTr w="12700" cmpd="sng">
+                      <a:noFill/>
+                      <a:prstDash val="solid"/>
+                    </a:lnBlToTr>
+                    <a:solidFill>
+                      <a:srgbClr val="FF0000"/>
+                    </a:solidFill>
+                  </a:tcPr>
+                </a:tc>
+                <a:tc>
+                  <a:txBody>
+                    <a:bodyPr/>
+                    <a:lstStyle/>
+                    <a:p>
+                      <a:pPr algn="ctr" latinLnBrk="1"/>
+                      <a:endParaRPr lang="ko-KR" altLang="en-US" sz="1500" dirty="0"/>
+                    </a:p>
+                  </a:txBody>
+                  <a:tcPr marL="68580" marR="68580" marT="34291" marB="34291" anchor="ctr">
+                    <a:lnL w="12700" cap="flat" cmpd="sng" algn="ctr">
+                      <a:solidFill>
+                        <a:srgbClr val="FF0000"/>
+                      </a:solidFill>
+                      <a:prstDash val="solid"/>
+                      <a:round/>
+                      <a:headEnd type="none" w="med" len="med"/>
+                      <a:tailEnd type="none" w="med" len="med"/>
+                    </a:lnL>
+                    <a:lnR w="12700" cap="flat" cmpd="sng" algn="ctr">
+                      <a:solidFill>
+                        <a:srgbClr val="FF0000"/>
+                      </a:solidFill>
+                      <a:prstDash val="solid"/>
+                      <a:round/>
+                      <a:headEnd type="none" w="med" len="med"/>
+                      <a:tailEnd type="none" w="med" len="med"/>
+                    </a:lnR>
+                    <a:lnT w="12700" cap="flat" cmpd="sng" algn="ctr">
+                      <a:solidFill>
+                        <a:schemeClr val="tx1"/>
+                      </a:solidFill>
+                      <a:prstDash val="solid"/>
+                      <a:round/>
+                      <a:headEnd type="none" w="med" len="med"/>
+                      <a:tailEnd type="none" w="med" len="med"/>
+                    </a:lnT>
+                    <a:lnB w="12700" cap="flat" cmpd="sng" algn="ctr">
+                      <a:solidFill>
+                        <a:schemeClr val="tx1"/>
+                      </a:solidFill>
+                      <a:prstDash val="solid"/>
+                      <a:round/>
+                      <a:headEnd type="none" w="med" len="med"/>
+                      <a:tailEnd type="none" w="med" len="med"/>
+                    </a:lnB>
+                    <a:solidFill>
+                      <a:srgbClr val="FF0000"/>
+                    </a:solidFill>
+                  </a:tcPr>
+                </a:tc>
+                <a:tc>
+                  <a:txBody>
+                    <a:bodyPr/>
+                    <a:lstStyle/>
+                    <a:p>
+                      <a:pPr algn="ctr" latinLnBrk="1"/>
+                      <a:endParaRPr lang="ko-KR" altLang="en-US" sz="1500" dirty="0"/>
+                    </a:p>
+                  </a:txBody>
+                  <a:tcPr marL="68580" marR="68580" marT="34291" marB="34291" anchor="ctr">
+                    <a:lnL w="12700" cap="flat" cmpd="sng" algn="ctr">
+                      <a:solidFill>
+                        <a:srgbClr val="FF0000"/>
+                      </a:solidFill>
+                      <a:prstDash val="solid"/>
+                      <a:round/>
+                      <a:headEnd type="none" w="med" len="med"/>
+                      <a:tailEnd type="none" w="med" len="med"/>
+                    </a:lnL>
+                    <a:lnR w="12700" cap="flat" cmpd="sng" algn="ctr">
+                      <a:solidFill>
+                        <a:schemeClr val="tx1"/>
+                      </a:solidFill>
+                      <a:prstDash val="solid"/>
+                      <a:round/>
+                      <a:headEnd type="none" w="med" len="med"/>
+                      <a:tailEnd type="none" w="med" len="med"/>
+                    </a:lnR>
+                    <a:lnT w="12700" cap="flat" cmpd="sng" algn="ctr">
+                      <a:solidFill>
+                        <a:schemeClr val="tx1"/>
+                      </a:solidFill>
+                      <a:prstDash val="solid"/>
+                      <a:round/>
+                      <a:headEnd type="none" w="med" len="med"/>
+                      <a:tailEnd type="none" w="med" len="med"/>
+                    </a:lnT>
+                    <a:lnB w="12700" cap="flat" cmpd="sng" algn="ctr">
+                      <a:solidFill>
+                        <a:schemeClr val="tx1"/>
+                      </a:solidFill>
+                      <a:prstDash val="solid"/>
+                      <a:round/>
+                      <a:headEnd type="none" w="med" len="med"/>
+                      <a:tailEnd type="none" w="med" len="med"/>
+                    </a:lnB>
+                    <a:solidFill>
+                      <a:srgbClr val="FF0000"/>
+                    </a:solidFill>
+                  </a:tcPr>
+                </a:tc>
+                <a:tc>
+                  <a:txBody>
+                    <a:bodyPr/>
+                    <a:lstStyle/>
+                    <a:p>
+                      <a:pPr algn="ctr" latinLnBrk="1"/>
+                      <a:endParaRPr lang="ko-KR" altLang="en-US" sz="1500" dirty="0"/>
+                    </a:p>
+                  </a:txBody>
+                  <a:tcPr marL="68580" marR="68580" marT="34291" marB="34291" anchor="ctr">
+                    <a:lnL w="12700" cap="flat" cmpd="sng" algn="ctr">
+                      <a:solidFill>
+                        <a:schemeClr val="tx1"/>
+                      </a:solidFill>
+                      <a:prstDash val="solid"/>
+                      <a:round/>
+                      <a:headEnd type="none" w="med" len="med"/>
+                      <a:tailEnd type="none" w="med" len="med"/>
+                    </a:lnL>
                     <a:lnB w="12700" cap="flat" cmpd="sng" algn="ctr">
                       <a:solidFill>
                         <a:schemeClr val="tx1"/>
@@ -9694,48 +9783,89 @@
                       <a:headEnd type="none" w="med" len="med"/>
                       <a:tailEnd type="none" w="med" len="med"/>
                     </a:lnB>
-                  </a:tcPr>
-                </a:tc>
-                <a:tc>
-                  <a:txBody>
-                    <a:bodyPr/>
-                    <a:lstStyle/>
-                    <a:p>
-                      <a:pPr algn="ctr" latinLnBrk="1"/>
-                      <a:endParaRPr lang="ko-KR" altLang="en-US" sz="1500" dirty="0"/>
-                    </a:p>
-                  </a:txBody>
-                  <a:tcPr marL="68580" marR="68580" marT="34291" marB="34291" anchor="ctr">
-                    <a:lnB w="12700" cap="flat" cmpd="sng" algn="ctr">
-                      <a:solidFill>
-                        <a:schemeClr val="tx1"/>
-                      </a:solidFill>
-                      <a:prstDash val="solid"/>
-                      <a:round/>
-                      <a:headEnd type="none" w="med" len="med"/>
-                      <a:tailEnd type="none" w="med" len="med"/>
-                    </a:lnB>
-                  </a:tcPr>
-                </a:tc>
-                <a:tc>
-                  <a:txBody>
-                    <a:bodyPr/>
-                    <a:lstStyle/>
-                    <a:p>
-                      <a:pPr algn="ctr" latinLnBrk="1"/>
-                      <a:endParaRPr lang="ko-KR" altLang="en-US" sz="1500" dirty="0"/>
-                    </a:p>
-                  </a:txBody>
-                  <a:tcPr marL="68580" marR="68580" marT="34291" marB="34291" anchor="ctr">
-                    <a:lnB w="12700" cap="flat" cmpd="sng" algn="ctr">
-                      <a:solidFill>
-                        <a:schemeClr val="tx1"/>
-                      </a:solidFill>
-                      <a:prstDash val="solid"/>
-                      <a:round/>
-                      <a:headEnd type="none" w="med" len="med"/>
-                      <a:tailEnd type="none" w="med" len="med"/>
-                    </a:lnB>
+                    <a:solidFill>
+                      <a:schemeClr val="bg1">
+                        <a:lumMod val="95000"/>
+                      </a:schemeClr>
+                    </a:solidFill>
+                  </a:tcPr>
+                </a:tc>
+                <a:tc>
+                  <a:txBody>
+                    <a:bodyPr/>
+                    <a:lstStyle/>
+                    <a:p>
+                      <a:pPr algn="ctr" latinLnBrk="1"/>
+                      <a:endParaRPr lang="ko-KR" altLang="en-US" sz="1500" dirty="0"/>
+                    </a:p>
+                  </a:txBody>
+                  <a:tcPr marL="68580" marR="68580" marT="34291" marB="34291" anchor="ctr">
+                    <a:lnB w="12700" cap="flat" cmpd="sng" algn="ctr">
+                      <a:solidFill>
+                        <a:schemeClr val="tx1"/>
+                      </a:solidFill>
+                      <a:prstDash val="solid"/>
+                      <a:round/>
+                      <a:headEnd type="none" w="med" len="med"/>
+                      <a:tailEnd type="none" w="med" len="med"/>
+                    </a:lnB>
+                    <a:solidFill>
+                      <a:schemeClr val="bg1">
+                        <a:lumMod val="95000"/>
+                      </a:schemeClr>
+                    </a:solidFill>
+                  </a:tcPr>
+                </a:tc>
+                <a:tc>
+                  <a:txBody>
+                    <a:bodyPr/>
+                    <a:lstStyle/>
+                    <a:p>
+                      <a:pPr algn="ctr" latinLnBrk="1"/>
+                      <a:endParaRPr lang="ko-KR" altLang="en-US" sz="1500" dirty="0"/>
+                    </a:p>
+                  </a:txBody>
+                  <a:tcPr marL="68580" marR="68580" marT="34291" marB="34291" anchor="ctr">
+                    <a:lnB w="12700" cap="flat" cmpd="sng" algn="ctr">
+                      <a:solidFill>
+                        <a:schemeClr val="tx1"/>
+                      </a:solidFill>
+                      <a:prstDash val="solid"/>
+                      <a:round/>
+                      <a:headEnd type="none" w="med" len="med"/>
+                      <a:tailEnd type="none" w="med" len="med"/>
+                    </a:lnB>
+                    <a:solidFill>
+                      <a:schemeClr val="bg1">
+                        <a:lumMod val="95000"/>
+                      </a:schemeClr>
+                    </a:solidFill>
+                  </a:tcPr>
+                </a:tc>
+                <a:tc>
+                  <a:txBody>
+                    <a:bodyPr/>
+                    <a:lstStyle/>
+                    <a:p>
+                      <a:pPr algn="ctr" latinLnBrk="1"/>
+                      <a:endParaRPr lang="ko-KR" altLang="en-US" sz="1500" dirty="0"/>
+                    </a:p>
+                  </a:txBody>
+                  <a:tcPr marL="68580" marR="68580" marT="34291" marB="34291" anchor="ctr">
+                    <a:lnB w="12700" cap="flat" cmpd="sng" algn="ctr">
+                      <a:solidFill>
+                        <a:schemeClr val="tx1"/>
+                      </a:solidFill>
+                      <a:prstDash val="solid"/>
+                      <a:round/>
+                      <a:headEnd type="none" w="med" len="med"/>
+                      <a:tailEnd type="none" w="med" len="med"/>
+                    </a:lnB>
+                    <a:solidFill>
+                      <a:schemeClr val="bg1">
+                        <a:lumMod val="95000"/>
+                      </a:schemeClr>
+                    </a:solidFill>
                   </a:tcPr>
                 </a:tc>
                 <a:tc>
@@ -9969,9 +10099,7 @@
                   </a:txBody>
                   <a:tcPr marL="68580" marR="68580" marT="34291" marB="34291" anchor="ctr">
                     <a:lnT w="12700" cap="flat" cmpd="sng" algn="ctr">
-                      <a:solidFill>
-                        <a:schemeClr val="tx1"/>
-                      </a:solidFill>
+                      <a:noFill/>
                       <a:prstDash val="solid"/>
                       <a:round/>
                       <a:headEnd type="none" w="med" len="med"/>
@@ -9999,9 +10127,7 @@
                       <a:tailEnd type="none" w="med" len="med"/>
                     </a:lnR>
                     <a:lnT w="12700" cap="flat" cmpd="sng" algn="ctr">
-                      <a:solidFill>
-                        <a:schemeClr val="tx1"/>
-                      </a:solidFill>
+                      <a:noFill/>
                       <a:prstDash val="solid"/>
                       <a:round/>
                       <a:headEnd type="none" w="med" len="med"/>
